--- a/data/Data curation figure.pptx
+++ b/data/Data curation figure.pptx
@@ -4,6 +4,9 @@
   <p:sldMasterIdLst>
     <p:sldMasterId id="2147483648" r:id="rId1"/>
   </p:sldMasterIdLst>
+  <p:notesMasterIdLst>
+    <p:notesMasterId r:id="rId3"/>
+  </p:notesMasterIdLst>
   <p:sldIdLst>
     <p:sldId id="256" r:id="rId2"/>
   </p:sldIdLst>
@@ -104,7 +107,445 @@
       </a:defRPr>
     </a:lvl9pPr>
   </p:defaultTextStyle>
+  <p:extLst>
+    <p:ext uri="{EFAFB233-063F-42B5-8137-9DF3F51BA10A}">
+      <p15:sldGuideLst xmlns:p15="http://schemas.microsoft.com/office/powerpoint/2012/main"/>
+    </p:ext>
+  </p:extLst>
 </p:presentation>
+</file>
+
+<file path=ppt/notesMasters/notesMaster1.xml><?xml version="1.0" encoding="utf-8"?>
+<p:notesMaster xmlns:a="http://schemas.openxmlformats.org/drawingml/2006/main" xmlns:r="http://schemas.openxmlformats.org/officeDocument/2006/relationships" xmlns:p="http://schemas.openxmlformats.org/presentationml/2006/main">
+  <p:cSld>
+    <p:bg>
+      <p:bgRef idx="1001">
+        <a:schemeClr val="bg1"/>
+      </p:bgRef>
+    </p:bg>
+    <p:spTree>
+      <p:nvGrpSpPr>
+        <p:cNvPr id="1" name=""/>
+        <p:cNvGrpSpPr/>
+        <p:nvPr/>
+      </p:nvGrpSpPr>
+      <p:grpSpPr>
+        <a:xfrm>
+          <a:off x="0" y="0"/>
+          <a:ext cx="0" cy="0"/>
+          <a:chOff x="0" y="0"/>
+          <a:chExt cx="0" cy="0"/>
+        </a:xfrm>
+      </p:grpSpPr>
+      <p:sp>
+        <p:nvSpPr>
+          <p:cNvPr id="2" name="머리글 개체 틀 1"/>
+          <p:cNvSpPr>
+            <a:spLocks noGrp="1"/>
+          </p:cNvSpPr>
+          <p:nvPr>
+            <p:ph type="hdr" sz="quarter"/>
+          </p:nvPr>
+        </p:nvSpPr>
+        <p:spPr>
+          <a:xfrm>
+            <a:off x="0" y="0"/>
+            <a:ext cx="2971800" cy="458788"/>
+          </a:xfrm>
+          <a:prstGeom prst="rect">
+            <a:avLst/>
+          </a:prstGeom>
+        </p:spPr>
+        <p:txBody>
+          <a:bodyPr vert="horz" lIns="91440" tIns="45720" rIns="91440" bIns="45720" rtlCol="0"/>
+          <a:lstStyle>
+            <a:lvl1pPr algn="l">
+              <a:defRPr sz="1200"/>
+            </a:lvl1pPr>
+          </a:lstStyle>
+          <a:p>
+            <a:endParaRPr lang="ko-KR" altLang="en-US"/>
+          </a:p>
+        </p:txBody>
+      </p:sp>
+      <p:sp>
+        <p:nvSpPr>
+          <p:cNvPr id="3" name="날짜 개체 틀 2"/>
+          <p:cNvSpPr>
+            <a:spLocks noGrp="1"/>
+          </p:cNvSpPr>
+          <p:nvPr>
+            <p:ph type="dt" idx="1"/>
+          </p:nvPr>
+        </p:nvSpPr>
+        <p:spPr>
+          <a:xfrm>
+            <a:off x="3884613" y="0"/>
+            <a:ext cx="2971800" cy="458788"/>
+          </a:xfrm>
+          <a:prstGeom prst="rect">
+            <a:avLst/>
+          </a:prstGeom>
+        </p:spPr>
+        <p:txBody>
+          <a:bodyPr vert="horz" lIns="91440" tIns="45720" rIns="91440" bIns="45720" rtlCol="0"/>
+          <a:lstStyle>
+            <a:lvl1pPr algn="r">
+              <a:defRPr sz="1200"/>
+            </a:lvl1pPr>
+          </a:lstStyle>
+          <a:p>
+            <a:fld id="{CFEF91B2-7934-434E-BD6D-E2DE44588DDE}" type="datetimeFigureOut">
+              <a:rPr lang="ko-KR" altLang="en-US" smtClean="0"/>
+              <a:t>2024-03-22</a:t>
+            </a:fld>
+            <a:endParaRPr lang="ko-KR" altLang="en-US"/>
+          </a:p>
+        </p:txBody>
+      </p:sp>
+      <p:sp>
+        <p:nvSpPr>
+          <p:cNvPr id="4" name="슬라이드 이미지 개체 틀 3"/>
+          <p:cNvSpPr>
+            <a:spLocks noGrp="1" noRot="1" noChangeAspect="1"/>
+          </p:cNvSpPr>
+          <p:nvPr>
+            <p:ph type="sldImg" idx="2"/>
+          </p:nvPr>
+        </p:nvSpPr>
+        <p:spPr>
+          <a:xfrm>
+            <a:off x="685800" y="1143000"/>
+            <a:ext cx="5486400" cy="3086100"/>
+          </a:xfrm>
+          <a:prstGeom prst="rect">
+            <a:avLst/>
+          </a:prstGeom>
+          <a:noFill/>
+          <a:ln w="12700">
+            <a:solidFill>
+              <a:prstClr val="black"/>
+            </a:solidFill>
+          </a:ln>
+        </p:spPr>
+        <p:txBody>
+          <a:bodyPr vert="horz" lIns="91440" tIns="45720" rIns="91440" bIns="45720" rtlCol="0" anchor="ctr"/>
+          <a:lstStyle/>
+          <a:p>
+            <a:endParaRPr lang="ko-KR" altLang="en-US"/>
+          </a:p>
+        </p:txBody>
+      </p:sp>
+      <p:sp>
+        <p:nvSpPr>
+          <p:cNvPr id="5" name="슬라이드 노트 개체 틀 4"/>
+          <p:cNvSpPr>
+            <a:spLocks noGrp="1"/>
+          </p:cNvSpPr>
+          <p:nvPr>
+            <p:ph type="body" sz="quarter" idx="3"/>
+          </p:nvPr>
+        </p:nvSpPr>
+        <p:spPr>
+          <a:xfrm>
+            <a:off x="685800" y="4400550"/>
+            <a:ext cx="5486400" cy="3600450"/>
+          </a:xfrm>
+          <a:prstGeom prst="rect">
+            <a:avLst/>
+          </a:prstGeom>
+        </p:spPr>
+        <p:txBody>
+          <a:bodyPr vert="horz" lIns="91440" tIns="45720" rIns="91440" bIns="45720" rtlCol="0"/>
+          <a:lstStyle/>
+          <a:p>
+            <a:pPr lvl="0"/>
+            <a:r>
+              <a:rPr lang="ko-KR" altLang="en-US"/>
+              <a:t>마스터 텍스트 스타일 편집</a:t>
+            </a:r>
+          </a:p>
+          <a:p>
+            <a:pPr lvl="1"/>
+            <a:r>
+              <a:rPr lang="ko-KR" altLang="en-US"/>
+              <a:t>둘째 수준</a:t>
+            </a:r>
+          </a:p>
+          <a:p>
+            <a:pPr lvl="2"/>
+            <a:r>
+              <a:rPr lang="ko-KR" altLang="en-US"/>
+              <a:t>셋째 수준</a:t>
+            </a:r>
+          </a:p>
+          <a:p>
+            <a:pPr lvl="3"/>
+            <a:r>
+              <a:rPr lang="ko-KR" altLang="en-US"/>
+              <a:t>넷째 수준</a:t>
+            </a:r>
+          </a:p>
+          <a:p>
+            <a:pPr lvl="4"/>
+            <a:r>
+              <a:rPr lang="ko-KR" altLang="en-US"/>
+              <a:t>다섯째 수준</a:t>
+            </a:r>
+          </a:p>
+        </p:txBody>
+      </p:sp>
+      <p:sp>
+        <p:nvSpPr>
+          <p:cNvPr id="6" name="바닥글 개체 틀 5"/>
+          <p:cNvSpPr>
+            <a:spLocks noGrp="1"/>
+          </p:cNvSpPr>
+          <p:nvPr>
+            <p:ph type="ftr" sz="quarter" idx="4"/>
+          </p:nvPr>
+        </p:nvSpPr>
+        <p:spPr>
+          <a:xfrm>
+            <a:off x="0" y="8685213"/>
+            <a:ext cx="2971800" cy="458787"/>
+          </a:xfrm>
+          <a:prstGeom prst="rect">
+            <a:avLst/>
+          </a:prstGeom>
+        </p:spPr>
+        <p:txBody>
+          <a:bodyPr vert="horz" lIns="91440" tIns="45720" rIns="91440" bIns="45720" rtlCol="0" anchor="b"/>
+          <a:lstStyle>
+            <a:lvl1pPr algn="l">
+              <a:defRPr sz="1200"/>
+            </a:lvl1pPr>
+          </a:lstStyle>
+          <a:p>
+            <a:endParaRPr lang="ko-KR" altLang="en-US"/>
+          </a:p>
+        </p:txBody>
+      </p:sp>
+      <p:sp>
+        <p:nvSpPr>
+          <p:cNvPr id="7" name="슬라이드 번호 개체 틀 6"/>
+          <p:cNvSpPr>
+            <a:spLocks noGrp="1"/>
+          </p:cNvSpPr>
+          <p:nvPr>
+            <p:ph type="sldNum" sz="quarter" idx="5"/>
+          </p:nvPr>
+        </p:nvSpPr>
+        <p:spPr>
+          <a:xfrm>
+            <a:off x="3884613" y="8685213"/>
+            <a:ext cx="2971800" cy="458787"/>
+          </a:xfrm>
+          <a:prstGeom prst="rect">
+            <a:avLst/>
+          </a:prstGeom>
+        </p:spPr>
+        <p:txBody>
+          <a:bodyPr vert="horz" lIns="91440" tIns="45720" rIns="91440" bIns="45720" rtlCol="0" anchor="b"/>
+          <a:lstStyle>
+            <a:lvl1pPr algn="r">
+              <a:defRPr sz="1200"/>
+            </a:lvl1pPr>
+          </a:lstStyle>
+          <a:p>
+            <a:fld id="{AA27158E-02D0-48E0-A787-F7008E5AC995}" type="slidenum">
+              <a:rPr lang="ko-KR" altLang="en-US" smtClean="0"/>
+              <a:t>‹#›</a:t>
+            </a:fld>
+            <a:endParaRPr lang="ko-KR" altLang="en-US"/>
+          </a:p>
+        </p:txBody>
+      </p:sp>
+    </p:spTree>
+    <p:extLst>
+      <p:ext uri="{BB962C8B-B14F-4D97-AF65-F5344CB8AC3E}">
+        <p14:creationId xmlns:p14="http://schemas.microsoft.com/office/powerpoint/2010/main" val="990586222"/>
+      </p:ext>
+    </p:extLst>
+  </p:cSld>
+  <p:clrMap bg1="lt1" tx1="dk1" bg2="lt2" tx2="dk2" accent1="accent1" accent2="accent2" accent3="accent3" accent4="accent4" accent5="accent5" accent6="accent6" hlink="hlink" folHlink="folHlink"/>
+  <p:notesStyle>
+    <a:lvl1pPr marL="0" algn="l" defTabSz="914400" rtl="0" eaLnBrk="1" latinLnBrk="1" hangingPunct="1">
+      <a:defRPr sz="1200" kern="1200">
+        <a:solidFill>
+          <a:schemeClr val="tx1"/>
+        </a:solidFill>
+        <a:latin typeface="+mn-lt"/>
+        <a:ea typeface="+mn-ea"/>
+        <a:cs typeface="+mn-cs"/>
+      </a:defRPr>
+    </a:lvl1pPr>
+    <a:lvl2pPr marL="457200" algn="l" defTabSz="914400" rtl="0" eaLnBrk="1" latinLnBrk="1" hangingPunct="1">
+      <a:defRPr sz="1200" kern="1200">
+        <a:solidFill>
+          <a:schemeClr val="tx1"/>
+        </a:solidFill>
+        <a:latin typeface="+mn-lt"/>
+        <a:ea typeface="+mn-ea"/>
+        <a:cs typeface="+mn-cs"/>
+      </a:defRPr>
+    </a:lvl2pPr>
+    <a:lvl3pPr marL="914400" algn="l" defTabSz="914400" rtl="0" eaLnBrk="1" latinLnBrk="1" hangingPunct="1">
+      <a:defRPr sz="1200" kern="1200">
+        <a:solidFill>
+          <a:schemeClr val="tx1"/>
+        </a:solidFill>
+        <a:latin typeface="+mn-lt"/>
+        <a:ea typeface="+mn-ea"/>
+        <a:cs typeface="+mn-cs"/>
+      </a:defRPr>
+    </a:lvl3pPr>
+    <a:lvl4pPr marL="1371600" algn="l" defTabSz="914400" rtl="0" eaLnBrk="1" latinLnBrk="1" hangingPunct="1">
+      <a:defRPr sz="1200" kern="1200">
+        <a:solidFill>
+          <a:schemeClr val="tx1"/>
+        </a:solidFill>
+        <a:latin typeface="+mn-lt"/>
+        <a:ea typeface="+mn-ea"/>
+        <a:cs typeface="+mn-cs"/>
+      </a:defRPr>
+    </a:lvl4pPr>
+    <a:lvl5pPr marL="1828800" algn="l" defTabSz="914400" rtl="0" eaLnBrk="1" latinLnBrk="1" hangingPunct="1">
+      <a:defRPr sz="1200" kern="1200">
+        <a:solidFill>
+          <a:schemeClr val="tx1"/>
+        </a:solidFill>
+        <a:latin typeface="+mn-lt"/>
+        <a:ea typeface="+mn-ea"/>
+        <a:cs typeface="+mn-cs"/>
+      </a:defRPr>
+    </a:lvl5pPr>
+    <a:lvl6pPr marL="2286000" algn="l" defTabSz="914400" rtl="0" eaLnBrk="1" latinLnBrk="1" hangingPunct="1">
+      <a:defRPr sz="1200" kern="1200">
+        <a:solidFill>
+          <a:schemeClr val="tx1"/>
+        </a:solidFill>
+        <a:latin typeface="+mn-lt"/>
+        <a:ea typeface="+mn-ea"/>
+        <a:cs typeface="+mn-cs"/>
+      </a:defRPr>
+    </a:lvl6pPr>
+    <a:lvl7pPr marL="2743200" algn="l" defTabSz="914400" rtl="0" eaLnBrk="1" latinLnBrk="1" hangingPunct="1">
+      <a:defRPr sz="1200" kern="1200">
+        <a:solidFill>
+          <a:schemeClr val="tx1"/>
+        </a:solidFill>
+        <a:latin typeface="+mn-lt"/>
+        <a:ea typeface="+mn-ea"/>
+        <a:cs typeface="+mn-cs"/>
+      </a:defRPr>
+    </a:lvl7pPr>
+    <a:lvl8pPr marL="3200400" algn="l" defTabSz="914400" rtl="0" eaLnBrk="1" latinLnBrk="1" hangingPunct="1">
+      <a:defRPr sz="1200" kern="1200">
+        <a:solidFill>
+          <a:schemeClr val="tx1"/>
+        </a:solidFill>
+        <a:latin typeface="+mn-lt"/>
+        <a:ea typeface="+mn-ea"/>
+        <a:cs typeface="+mn-cs"/>
+      </a:defRPr>
+    </a:lvl8pPr>
+    <a:lvl9pPr marL="3657600" algn="l" defTabSz="914400" rtl="0" eaLnBrk="1" latinLnBrk="1" hangingPunct="1">
+      <a:defRPr sz="1200" kern="1200">
+        <a:solidFill>
+          <a:schemeClr val="tx1"/>
+        </a:solidFill>
+        <a:latin typeface="+mn-lt"/>
+        <a:ea typeface="+mn-ea"/>
+        <a:cs typeface="+mn-cs"/>
+      </a:defRPr>
+    </a:lvl9pPr>
+  </p:notesStyle>
+</p:notesMaster>
+</file>
+
+<file path=ppt/notesSlides/notesSlide1.xml><?xml version="1.0" encoding="utf-8"?>
+<p:notes xmlns:a="http://schemas.openxmlformats.org/drawingml/2006/main" xmlns:r="http://schemas.openxmlformats.org/officeDocument/2006/relationships" xmlns:p="http://schemas.openxmlformats.org/presentationml/2006/main">
+  <p:cSld>
+    <p:spTree>
+      <p:nvGrpSpPr>
+        <p:cNvPr id="1" name=""/>
+        <p:cNvGrpSpPr/>
+        <p:nvPr/>
+      </p:nvGrpSpPr>
+      <p:grpSpPr>
+        <a:xfrm>
+          <a:off x="0" y="0"/>
+          <a:ext cx="0" cy="0"/>
+          <a:chOff x="0" y="0"/>
+          <a:chExt cx="0" cy="0"/>
+        </a:xfrm>
+      </p:grpSpPr>
+      <p:sp>
+        <p:nvSpPr>
+          <p:cNvPr id="2" name="슬라이드 이미지 개체 틀 1"/>
+          <p:cNvSpPr>
+            <a:spLocks noGrp="1" noRot="1" noChangeAspect="1"/>
+          </p:cNvSpPr>
+          <p:nvPr>
+            <p:ph type="sldImg"/>
+          </p:nvPr>
+        </p:nvSpPr>
+        <p:spPr/>
+      </p:sp>
+      <p:sp>
+        <p:nvSpPr>
+          <p:cNvPr id="3" name="슬라이드 노트 개체 틀 2"/>
+          <p:cNvSpPr>
+            <a:spLocks noGrp="1"/>
+          </p:cNvSpPr>
+          <p:nvPr>
+            <p:ph type="body" idx="1"/>
+          </p:nvPr>
+        </p:nvSpPr>
+        <p:spPr/>
+        <p:txBody>
+          <a:bodyPr/>
+          <a:lstStyle/>
+          <a:p>
+            <a:endParaRPr lang="ko-KR" altLang="en-US" dirty="0"/>
+          </a:p>
+        </p:txBody>
+      </p:sp>
+      <p:sp>
+        <p:nvSpPr>
+          <p:cNvPr id="4" name="슬라이드 번호 개체 틀 3"/>
+          <p:cNvSpPr>
+            <a:spLocks noGrp="1"/>
+          </p:cNvSpPr>
+          <p:nvPr>
+            <p:ph type="sldNum" sz="quarter" idx="5"/>
+          </p:nvPr>
+        </p:nvSpPr>
+        <p:spPr/>
+        <p:txBody>
+          <a:bodyPr/>
+          <a:lstStyle/>
+          <a:p>
+            <a:fld id="{AA27158E-02D0-48E0-A787-F7008E5AC995}" type="slidenum">
+              <a:rPr lang="ko-KR" altLang="en-US" smtClean="0"/>
+              <a:t>1</a:t>
+            </a:fld>
+            <a:endParaRPr lang="ko-KR" altLang="en-US"/>
+          </a:p>
+        </p:txBody>
+      </p:sp>
+    </p:spTree>
+    <p:extLst>
+      <p:ext uri="{BB962C8B-B14F-4D97-AF65-F5344CB8AC3E}">
+        <p14:creationId xmlns:p14="http://schemas.microsoft.com/office/powerpoint/2010/main" val="2373213715"/>
+      </p:ext>
+    </p:extLst>
+  </p:cSld>
+  <p:clrMapOvr>
+    <a:masterClrMapping/>
+  </p:clrMapOvr>
+</p:notes>
 </file>
 
 <file path=ppt/slideLayouts/slideLayout1.xml><?xml version="1.0" encoding="utf-8"?>
@@ -254,7 +695,7 @@
           <a:p>
             <a:fld id="{E4FA6DF2-2826-46BA-AB1A-B55B7135CCF8}" type="datetimeFigureOut">
               <a:rPr lang="ko-KR" altLang="en-US" smtClean="0"/>
-              <a:t>2024-03-19</a:t>
+              <a:t>2024-03-22</a:t>
             </a:fld>
             <a:endParaRPr lang="ko-KR" altLang="en-US"/>
           </a:p>
@@ -452,7 +893,7 @@
           <a:p>
             <a:fld id="{E4FA6DF2-2826-46BA-AB1A-B55B7135CCF8}" type="datetimeFigureOut">
               <a:rPr lang="ko-KR" altLang="en-US" smtClean="0"/>
-              <a:t>2024-03-19</a:t>
+              <a:t>2024-03-22</a:t>
             </a:fld>
             <a:endParaRPr lang="ko-KR" altLang="en-US"/>
           </a:p>
@@ -660,7 +1101,7 @@
           <a:p>
             <a:fld id="{E4FA6DF2-2826-46BA-AB1A-B55B7135CCF8}" type="datetimeFigureOut">
               <a:rPr lang="ko-KR" altLang="en-US" smtClean="0"/>
-              <a:t>2024-03-19</a:t>
+              <a:t>2024-03-22</a:t>
             </a:fld>
             <a:endParaRPr lang="ko-KR" altLang="en-US"/>
           </a:p>
@@ -858,7 +1299,7 @@
           <a:p>
             <a:fld id="{E4FA6DF2-2826-46BA-AB1A-B55B7135CCF8}" type="datetimeFigureOut">
               <a:rPr lang="ko-KR" altLang="en-US" smtClean="0"/>
-              <a:t>2024-03-19</a:t>
+              <a:t>2024-03-22</a:t>
             </a:fld>
             <a:endParaRPr lang="ko-KR" altLang="en-US"/>
           </a:p>
@@ -1133,7 +1574,7 @@
           <a:p>
             <a:fld id="{E4FA6DF2-2826-46BA-AB1A-B55B7135CCF8}" type="datetimeFigureOut">
               <a:rPr lang="ko-KR" altLang="en-US" smtClean="0"/>
-              <a:t>2024-03-19</a:t>
+              <a:t>2024-03-22</a:t>
             </a:fld>
             <a:endParaRPr lang="ko-KR" altLang="en-US"/>
           </a:p>
@@ -1398,7 +1839,7 @@
           <a:p>
             <a:fld id="{E4FA6DF2-2826-46BA-AB1A-B55B7135CCF8}" type="datetimeFigureOut">
               <a:rPr lang="ko-KR" altLang="en-US" smtClean="0"/>
-              <a:t>2024-03-19</a:t>
+              <a:t>2024-03-22</a:t>
             </a:fld>
             <a:endParaRPr lang="ko-KR" altLang="en-US"/>
           </a:p>
@@ -1810,7 +2251,7 @@
           <a:p>
             <a:fld id="{E4FA6DF2-2826-46BA-AB1A-B55B7135CCF8}" type="datetimeFigureOut">
               <a:rPr lang="ko-KR" altLang="en-US" smtClean="0"/>
-              <a:t>2024-03-19</a:t>
+              <a:t>2024-03-22</a:t>
             </a:fld>
             <a:endParaRPr lang="ko-KR" altLang="en-US"/>
           </a:p>
@@ -1951,7 +2392,7 @@
           <a:p>
             <a:fld id="{E4FA6DF2-2826-46BA-AB1A-B55B7135CCF8}" type="datetimeFigureOut">
               <a:rPr lang="ko-KR" altLang="en-US" smtClean="0"/>
-              <a:t>2024-03-19</a:t>
+              <a:t>2024-03-22</a:t>
             </a:fld>
             <a:endParaRPr lang="ko-KR" altLang="en-US"/>
           </a:p>
@@ -2064,7 +2505,7 @@
           <a:p>
             <a:fld id="{E4FA6DF2-2826-46BA-AB1A-B55B7135CCF8}" type="datetimeFigureOut">
               <a:rPr lang="ko-KR" altLang="en-US" smtClean="0"/>
-              <a:t>2024-03-19</a:t>
+              <a:t>2024-03-22</a:t>
             </a:fld>
             <a:endParaRPr lang="ko-KR" altLang="en-US"/>
           </a:p>
@@ -2375,7 +2816,7 @@
           <a:p>
             <a:fld id="{E4FA6DF2-2826-46BA-AB1A-B55B7135CCF8}" type="datetimeFigureOut">
               <a:rPr lang="ko-KR" altLang="en-US" smtClean="0"/>
-              <a:t>2024-03-19</a:t>
+              <a:t>2024-03-22</a:t>
             </a:fld>
             <a:endParaRPr lang="ko-KR" altLang="en-US"/>
           </a:p>
@@ -2663,7 +3104,7 @@
           <a:p>
             <a:fld id="{E4FA6DF2-2826-46BA-AB1A-B55B7135CCF8}" type="datetimeFigureOut">
               <a:rPr lang="ko-KR" altLang="en-US" smtClean="0"/>
-              <a:t>2024-03-19</a:t>
+              <a:t>2024-03-22</a:t>
             </a:fld>
             <a:endParaRPr lang="ko-KR" altLang="en-US"/>
           </a:p>
@@ -2904,7 +3345,7 @@
           <a:p>
             <a:fld id="{E4FA6DF2-2826-46BA-AB1A-B55B7135CCF8}" type="datetimeFigureOut">
               <a:rPr lang="ko-KR" altLang="en-US" smtClean="0"/>
-              <a:t>2024-03-19</a:t>
+              <a:t>2024-03-22</a:t>
             </a:fld>
             <a:endParaRPr lang="ko-KR" altLang="en-US"/>
           </a:p>
@@ -3323,58 +3764,20 @@
       </p:grpSpPr>
       <p:sp>
         <p:nvSpPr>
-          <p:cNvPr id="4" name="TextBox 3">
-            <a:extLst>
-              <a:ext uri="{FF2B5EF4-FFF2-40B4-BE49-F238E27FC236}">
-                <a16:creationId xmlns:a16="http://schemas.microsoft.com/office/drawing/2014/main" id="{97C199FA-7E64-46F2-8EF0-D11C0558856B}"/>
-              </a:ext>
-            </a:extLst>
-          </p:cNvPr>
-          <p:cNvSpPr txBox="1"/>
+          <p:cNvPr id="8" name="화살표: 오른쪽 7">
+            <a:extLst>
+              <a:ext uri="{FF2B5EF4-FFF2-40B4-BE49-F238E27FC236}">
+                <a16:creationId xmlns:a16="http://schemas.microsoft.com/office/drawing/2014/main" id="{847086EE-E97E-44E0-8623-E4B4DA2773F0}"/>
+              </a:ext>
+            </a:extLst>
+          </p:cNvPr>
+          <p:cNvSpPr/>
           <p:nvPr/>
         </p:nvSpPr>
         <p:spPr>
           <a:xfrm>
-            <a:off x="136971" y="125019"/>
-            <a:ext cx="6016391" cy="461665"/>
-          </a:xfrm>
-          <a:prstGeom prst="rect">
-            <a:avLst/>
-          </a:prstGeom>
-          <a:noFill/>
-        </p:spPr>
-        <p:txBody>
-          <a:bodyPr wrap="none" rtlCol="0">
-            <a:spAutoFit/>
-          </a:bodyPr>
-          <a:lstStyle/>
-          <a:p>
-            <a:r>
-              <a:rPr lang="en-US" altLang="ko-KR" sz="2400" b="1" dirty="0">
-                <a:latin typeface="Arial" panose="020B0604020202020204" pitchFamily="34" charset="0"/>
-                <a:cs typeface="Arial" panose="020B0604020202020204" pitchFamily="34" charset="0"/>
-              </a:rPr>
-              <a:t>Sankey diagram of data preprocessing</a:t>
-            </a:r>
-          </a:p>
-        </p:txBody>
-      </p:sp>
-      <p:sp>
-        <p:nvSpPr>
-          <p:cNvPr id="8" name="화살표: 오른쪽 7">
-            <a:extLst>
-              <a:ext uri="{FF2B5EF4-FFF2-40B4-BE49-F238E27FC236}">
-                <a16:creationId xmlns:a16="http://schemas.microsoft.com/office/drawing/2014/main" id="{847086EE-E97E-44E0-8623-E4B4DA2773F0}"/>
-              </a:ext>
-            </a:extLst>
-          </p:cNvPr>
-          <p:cNvSpPr/>
-          <p:nvPr/>
-        </p:nvSpPr>
-        <p:spPr>
-          <a:xfrm>
-            <a:off x="1302102" y="792120"/>
-            <a:ext cx="9377187" cy="1032296"/>
+            <a:off x="1226635" y="916624"/>
+            <a:ext cx="9718323" cy="1032296"/>
           </a:xfrm>
           <a:prstGeom prst="rightArrow">
             <a:avLst>
@@ -3413,571 +3816,10 @@
       </p:sp>
       <p:sp>
         <p:nvSpPr>
-          <p:cNvPr id="13" name="TextBox 12">
-            <a:extLst>
-              <a:ext uri="{FF2B5EF4-FFF2-40B4-BE49-F238E27FC236}">
-                <a16:creationId xmlns:a16="http://schemas.microsoft.com/office/drawing/2014/main" id="{E93D182E-C7F7-4098-929E-71778E5F7D61}"/>
-              </a:ext>
-            </a:extLst>
-          </p:cNvPr>
-          <p:cNvSpPr txBox="1"/>
-          <p:nvPr/>
-        </p:nvSpPr>
-        <p:spPr>
-          <a:xfrm>
-            <a:off x="1745552" y="4456581"/>
-            <a:ext cx="1608133" cy="1200329"/>
-          </a:xfrm>
-          <a:prstGeom prst="rect">
-            <a:avLst/>
-          </a:prstGeom>
-          <a:noFill/>
-        </p:spPr>
-        <p:txBody>
-          <a:bodyPr wrap="none" rtlCol="0">
-            <a:spAutoFit/>
-          </a:bodyPr>
-          <a:lstStyle/>
-          <a:p>
-            <a:pPr algn="ctr"/>
-            <a:r>
-              <a:rPr lang="en-US" altLang="ko-KR" b="1" dirty="0">
-                <a:solidFill>
-                  <a:srgbClr val="C00000"/>
-                </a:solidFill>
-                <a:latin typeface="Arial" panose="020B0604020202020204" pitchFamily="34" charset="0"/>
-                <a:cs typeface="Arial" panose="020B0604020202020204" pitchFamily="34" charset="0"/>
-              </a:rPr>
-              <a:t>Inconsistent/</a:t>
-            </a:r>
-          </a:p>
-          <a:p>
-            <a:pPr algn="ctr"/>
-            <a:r>
-              <a:rPr lang="en-US" altLang="ko-KR" b="1" dirty="0">
-                <a:solidFill>
-                  <a:srgbClr val="C00000"/>
-                </a:solidFill>
-                <a:latin typeface="Arial" panose="020B0604020202020204" pitchFamily="34" charset="0"/>
-                <a:cs typeface="Arial" panose="020B0604020202020204" pitchFamily="34" charset="0"/>
-              </a:rPr>
-              <a:t>mismatch</a:t>
-            </a:r>
-          </a:p>
-          <a:p>
-            <a:pPr algn="ctr"/>
-            <a:r>
-              <a:rPr lang="en-US" altLang="ko-KR" b="1" dirty="0">
-                <a:solidFill>
-                  <a:srgbClr val="C00000"/>
-                </a:solidFill>
-                <a:latin typeface="Arial" panose="020B0604020202020204" pitchFamily="34" charset="0"/>
-                <a:cs typeface="Arial" panose="020B0604020202020204" pitchFamily="34" charset="0"/>
-              </a:rPr>
-              <a:t>data</a:t>
-            </a:r>
-          </a:p>
-          <a:p>
-            <a:pPr algn="ctr"/>
-            <a:r>
-              <a:rPr lang="en-US" altLang="ko-KR" b="1" dirty="0">
-                <a:solidFill>
-                  <a:srgbClr val="C00000"/>
-                </a:solidFill>
-                <a:latin typeface="Arial" panose="020B0604020202020204" pitchFamily="34" charset="0"/>
-                <a:cs typeface="Arial" panose="020B0604020202020204" pitchFamily="34" charset="0"/>
-              </a:rPr>
-              <a:t>(10,306)</a:t>
-            </a:r>
-            <a:endParaRPr lang="ko-KR" altLang="en-US" b="1" dirty="0">
-              <a:solidFill>
-                <a:srgbClr val="C00000"/>
-              </a:solidFill>
-              <a:latin typeface="Arial" panose="020B0604020202020204" pitchFamily="34" charset="0"/>
-              <a:cs typeface="Arial" panose="020B0604020202020204" pitchFamily="34" charset="0"/>
-            </a:endParaRPr>
-          </a:p>
-        </p:txBody>
-      </p:sp>
-      <p:sp>
-        <p:nvSpPr>
-          <p:cNvPr id="14" name="TextBox 13">
-            <a:extLst>
-              <a:ext uri="{FF2B5EF4-FFF2-40B4-BE49-F238E27FC236}">
-                <a16:creationId xmlns:a16="http://schemas.microsoft.com/office/drawing/2014/main" id="{942BB202-A99D-4485-B886-1E59877AF452}"/>
-              </a:ext>
-            </a:extLst>
-          </p:cNvPr>
-          <p:cNvSpPr txBox="1"/>
-          <p:nvPr/>
-        </p:nvSpPr>
-        <p:spPr>
-          <a:xfrm>
-            <a:off x="3307615" y="4111748"/>
-            <a:ext cx="1634424" cy="1200329"/>
-          </a:xfrm>
-          <a:prstGeom prst="rect">
-            <a:avLst/>
-          </a:prstGeom>
-          <a:noFill/>
-        </p:spPr>
-        <p:txBody>
-          <a:bodyPr wrap="square" rtlCol="0">
-            <a:spAutoFit/>
-          </a:bodyPr>
-          <a:lstStyle/>
-          <a:p>
-            <a:pPr algn="ctr"/>
-            <a:r>
-              <a:rPr lang="en-US" altLang="ko-KR" b="1" dirty="0">
-                <a:solidFill>
-                  <a:srgbClr val="C00000"/>
-                </a:solidFill>
-                <a:latin typeface="Arial" panose="020B0604020202020204" pitchFamily="34" charset="0"/>
-                <a:cs typeface="Arial" panose="020B0604020202020204" pitchFamily="34" charset="0"/>
-              </a:rPr>
-              <a:t>Vague composition case</a:t>
-            </a:r>
-          </a:p>
-          <a:p>
-            <a:pPr algn="ctr"/>
-            <a:r>
-              <a:rPr lang="en-US" altLang="ko-KR" b="1" dirty="0">
-                <a:solidFill>
-                  <a:srgbClr val="C00000"/>
-                </a:solidFill>
-                <a:latin typeface="Arial" panose="020B0604020202020204" pitchFamily="34" charset="0"/>
-                <a:cs typeface="Arial" panose="020B0604020202020204" pitchFamily="34" charset="0"/>
-              </a:rPr>
-              <a:t>(1,888)</a:t>
-            </a:r>
-            <a:endParaRPr lang="ko-KR" altLang="en-US" b="1" dirty="0">
-              <a:solidFill>
-                <a:srgbClr val="C00000"/>
-              </a:solidFill>
-              <a:latin typeface="Arial" panose="020B0604020202020204" pitchFamily="34" charset="0"/>
-              <a:cs typeface="Arial" panose="020B0604020202020204" pitchFamily="34" charset="0"/>
-            </a:endParaRPr>
-          </a:p>
-        </p:txBody>
-      </p:sp>
-      <p:sp>
-        <p:nvSpPr>
-          <p:cNvPr id="16" name="TextBox 15">
-            <a:extLst>
-              <a:ext uri="{FF2B5EF4-FFF2-40B4-BE49-F238E27FC236}">
-                <a16:creationId xmlns:a16="http://schemas.microsoft.com/office/drawing/2014/main" id="{D54A7659-4621-4D65-952C-021DA89D5B0B}"/>
-              </a:ext>
-            </a:extLst>
-          </p:cNvPr>
-          <p:cNvSpPr txBox="1"/>
-          <p:nvPr/>
-        </p:nvSpPr>
-        <p:spPr>
-          <a:xfrm>
-            <a:off x="5010931" y="3763825"/>
-            <a:ext cx="1521249" cy="1477328"/>
-          </a:xfrm>
-          <a:prstGeom prst="rect">
-            <a:avLst/>
-          </a:prstGeom>
-          <a:noFill/>
-        </p:spPr>
-        <p:txBody>
-          <a:bodyPr wrap="square" rtlCol="0">
-            <a:spAutoFit/>
-          </a:bodyPr>
-          <a:lstStyle/>
-          <a:p>
-            <a:pPr algn="ctr"/>
-            <a:r>
-              <a:rPr lang="en-US" altLang="ko-KR" b="1" dirty="0">
-                <a:solidFill>
-                  <a:srgbClr val="C00000"/>
-                </a:solidFill>
-                <a:latin typeface="Arial" panose="020B0604020202020204" pitchFamily="34" charset="0"/>
-                <a:cs typeface="Arial" panose="020B0604020202020204" pitchFamily="34" charset="0"/>
-              </a:rPr>
-              <a:t>Ionic/</a:t>
-            </a:r>
-          </a:p>
-          <a:p>
-            <a:pPr algn="ctr"/>
-            <a:r>
-              <a:rPr lang="en-US" altLang="ko-KR" b="1" dirty="0">
-                <a:solidFill>
-                  <a:srgbClr val="C00000"/>
-                </a:solidFill>
-                <a:latin typeface="Arial" panose="020B0604020202020204" pitchFamily="34" charset="0"/>
-                <a:cs typeface="Arial" panose="020B0604020202020204" pitchFamily="34" charset="0"/>
-              </a:rPr>
-              <a:t>abnormal reaction case</a:t>
-            </a:r>
-          </a:p>
-          <a:p>
-            <a:pPr algn="ctr"/>
-            <a:r>
-              <a:rPr lang="en-US" altLang="ko-KR" b="1" dirty="0">
-                <a:solidFill>
-                  <a:srgbClr val="C00000"/>
-                </a:solidFill>
-                <a:latin typeface="Arial" panose="020B0604020202020204" pitchFamily="34" charset="0"/>
-                <a:cs typeface="Arial" panose="020B0604020202020204" pitchFamily="34" charset="0"/>
-              </a:rPr>
-              <a:t>(517)</a:t>
-            </a:r>
-            <a:endParaRPr lang="ko-KR" altLang="en-US" b="1" dirty="0">
-              <a:solidFill>
-                <a:srgbClr val="C00000"/>
-              </a:solidFill>
-              <a:latin typeface="Arial" panose="020B0604020202020204" pitchFamily="34" charset="0"/>
-              <a:cs typeface="Arial" panose="020B0604020202020204" pitchFamily="34" charset="0"/>
-            </a:endParaRPr>
-          </a:p>
-        </p:txBody>
-      </p:sp>
-      <p:sp>
-        <p:nvSpPr>
-          <p:cNvPr id="18" name="TextBox 17">
-            <a:extLst>
-              <a:ext uri="{FF2B5EF4-FFF2-40B4-BE49-F238E27FC236}">
-                <a16:creationId xmlns:a16="http://schemas.microsoft.com/office/drawing/2014/main" id="{ACAD7641-9BA8-4AFF-B45D-D134E687AD67}"/>
-              </a:ext>
-            </a:extLst>
-          </p:cNvPr>
-          <p:cNvSpPr txBox="1"/>
-          <p:nvPr/>
-        </p:nvSpPr>
-        <p:spPr>
-          <a:xfrm>
-            <a:off x="6487024" y="3449107"/>
-            <a:ext cx="1675072" cy="1200329"/>
-          </a:xfrm>
-          <a:prstGeom prst="rect">
-            <a:avLst/>
-          </a:prstGeom>
-          <a:noFill/>
-        </p:spPr>
-        <p:txBody>
-          <a:bodyPr wrap="square" rtlCol="0">
-            <a:spAutoFit/>
-          </a:bodyPr>
-          <a:lstStyle/>
-          <a:p>
-            <a:pPr algn="ctr"/>
-            <a:r>
-              <a:rPr lang="en-US" altLang="ko-KR" b="1" dirty="0">
-                <a:solidFill>
-                  <a:srgbClr val="C00000"/>
-                </a:solidFill>
-                <a:latin typeface="Arial" panose="020B0604020202020204" pitchFamily="34" charset="0"/>
-                <a:cs typeface="Arial" panose="020B0604020202020204" pitchFamily="34" charset="0"/>
-              </a:rPr>
-              <a:t>Element non-conserved case</a:t>
-            </a:r>
-          </a:p>
-          <a:p>
-            <a:pPr algn="ctr"/>
-            <a:r>
-              <a:rPr lang="en-US" altLang="ko-KR" b="1" dirty="0">
-                <a:solidFill>
-                  <a:srgbClr val="C00000"/>
-                </a:solidFill>
-                <a:latin typeface="Arial" panose="020B0604020202020204" pitchFamily="34" charset="0"/>
-                <a:cs typeface="Arial" panose="020B0604020202020204" pitchFamily="34" charset="0"/>
-              </a:rPr>
-              <a:t>(202)</a:t>
-            </a:r>
-            <a:endParaRPr lang="ko-KR" altLang="en-US" b="1" dirty="0">
-              <a:solidFill>
-                <a:srgbClr val="C00000"/>
-              </a:solidFill>
-              <a:latin typeface="Arial" panose="020B0604020202020204" pitchFamily="34" charset="0"/>
-              <a:cs typeface="Arial" panose="020B0604020202020204" pitchFamily="34" charset="0"/>
-            </a:endParaRPr>
-          </a:p>
-        </p:txBody>
-      </p:sp>
-      <p:sp>
-        <p:nvSpPr>
-          <p:cNvPr id="20" name="TextBox 19">
-            <a:extLst>
-              <a:ext uri="{FF2B5EF4-FFF2-40B4-BE49-F238E27FC236}">
-                <a16:creationId xmlns:a16="http://schemas.microsoft.com/office/drawing/2014/main" id="{5670D54A-0C24-4A5E-A3CA-EAF0A8A12049}"/>
-              </a:ext>
-            </a:extLst>
-          </p:cNvPr>
-          <p:cNvSpPr txBox="1"/>
-          <p:nvPr/>
-        </p:nvSpPr>
-        <p:spPr>
-          <a:xfrm>
-            <a:off x="8026684" y="3090602"/>
-            <a:ext cx="2172758" cy="1477328"/>
-          </a:xfrm>
-          <a:prstGeom prst="rect">
-            <a:avLst/>
-          </a:prstGeom>
-          <a:noFill/>
-        </p:spPr>
-        <p:txBody>
-          <a:bodyPr wrap="square" rtlCol="0">
-            <a:spAutoFit/>
-          </a:bodyPr>
-          <a:lstStyle/>
-          <a:p>
-            <a:pPr algn="ctr"/>
-            <a:r>
-              <a:rPr lang="en-US" altLang="ko-KR" b="1" dirty="0">
-                <a:solidFill>
-                  <a:srgbClr val="C00000"/>
-                </a:solidFill>
-                <a:latin typeface="Arial" panose="020B0604020202020204" pitchFamily="34" charset="0"/>
-                <a:cs typeface="Arial" panose="020B0604020202020204" pitchFamily="34" charset="0"/>
-              </a:rPr>
-              <a:t>Removing unusual (&lt;10) non-metal precursor case</a:t>
-            </a:r>
-          </a:p>
-          <a:p>
-            <a:pPr algn="ctr"/>
-            <a:r>
-              <a:rPr lang="en-US" altLang="ko-KR" b="1" dirty="0">
-                <a:solidFill>
-                  <a:srgbClr val="C00000"/>
-                </a:solidFill>
-                <a:latin typeface="Arial" panose="020B0604020202020204" pitchFamily="34" charset="0"/>
-                <a:cs typeface="Arial" panose="020B0604020202020204" pitchFamily="34" charset="0"/>
-              </a:rPr>
-              <a:t>(83)</a:t>
-            </a:r>
-            <a:endParaRPr lang="ko-KR" altLang="en-US" b="1" dirty="0">
-              <a:solidFill>
-                <a:srgbClr val="C00000"/>
-              </a:solidFill>
-              <a:latin typeface="Arial" panose="020B0604020202020204" pitchFamily="34" charset="0"/>
-              <a:cs typeface="Arial" panose="020B0604020202020204" pitchFamily="34" charset="0"/>
-            </a:endParaRPr>
-          </a:p>
-        </p:txBody>
-      </p:sp>
-      <p:sp>
-        <p:nvSpPr>
-          <p:cNvPr id="21" name="TextBox 20">
-            <a:extLst>
-              <a:ext uri="{FF2B5EF4-FFF2-40B4-BE49-F238E27FC236}">
-                <a16:creationId xmlns:a16="http://schemas.microsoft.com/office/drawing/2014/main" id="{578F92D9-08EA-4FAB-84ED-4906CB457A3D}"/>
-              </a:ext>
-            </a:extLst>
-          </p:cNvPr>
-          <p:cNvSpPr txBox="1"/>
-          <p:nvPr/>
-        </p:nvSpPr>
-        <p:spPr>
-          <a:xfrm>
-            <a:off x="3142017" y="5487193"/>
-            <a:ext cx="2009422" cy="738664"/>
-          </a:xfrm>
-          <a:prstGeom prst="rect">
-            <a:avLst/>
-          </a:prstGeom>
-          <a:noFill/>
-        </p:spPr>
-        <p:txBody>
-          <a:bodyPr wrap="square" rtlCol="0">
-            <a:spAutoFit/>
-          </a:bodyPr>
-          <a:lstStyle/>
-          <a:p>
-            <a:pPr algn="ctr"/>
-            <a:r>
-              <a:rPr lang="en-US" altLang="ko-KR" sz="1400" dirty="0">
-                <a:latin typeface="Arial" panose="020B0604020202020204" pitchFamily="34" charset="0"/>
-                <a:cs typeface="Arial" panose="020B0604020202020204" pitchFamily="34" charset="0"/>
-              </a:rPr>
-              <a:t>(e.g.) invalid x, y, z number in</a:t>
-            </a:r>
-          </a:p>
-          <a:p>
-            <a:pPr algn="ctr"/>
-            <a:r>
-              <a:rPr lang="en-US" altLang="ko-KR" sz="1400" dirty="0">
-                <a:latin typeface="Arial" panose="020B0604020202020204" pitchFamily="34" charset="0"/>
-                <a:cs typeface="Arial" panose="020B0604020202020204" pitchFamily="34" charset="0"/>
-              </a:rPr>
-              <a:t>LixFe1-yMnyO2</a:t>
-            </a:r>
-            <a:endParaRPr lang="ko-KR" altLang="en-US" sz="1400" dirty="0">
-              <a:latin typeface="Arial" panose="020B0604020202020204" pitchFamily="34" charset="0"/>
-              <a:cs typeface="Arial" panose="020B0604020202020204" pitchFamily="34" charset="0"/>
-            </a:endParaRPr>
-          </a:p>
-        </p:txBody>
-      </p:sp>
-      <p:sp>
-        <p:nvSpPr>
-          <p:cNvPr id="22" name="TextBox 21">
-            <a:extLst>
-              <a:ext uri="{FF2B5EF4-FFF2-40B4-BE49-F238E27FC236}">
-                <a16:creationId xmlns:a16="http://schemas.microsoft.com/office/drawing/2014/main" id="{7EC5452D-DC3E-48CA-93F1-E3E6EDE85AD3}"/>
-              </a:ext>
-            </a:extLst>
-          </p:cNvPr>
-          <p:cNvSpPr txBox="1"/>
-          <p:nvPr/>
-        </p:nvSpPr>
-        <p:spPr>
-          <a:xfrm>
-            <a:off x="4995194" y="5241153"/>
-            <a:ext cx="1675072" cy="738664"/>
-          </a:xfrm>
-          <a:prstGeom prst="rect">
-            <a:avLst/>
-          </a:prstGeom>
-          <a:noFill/>
-        </p:spPr>
-        <p:txBody>
-          <a:bodyPr wrap="square" rtlCol="0">
-            <a:spAutoFit/>
-          </a:bodyPr>
-          <a:lstStyle/>
-          <a:p>
-            <a:pPr algn="ctr"/>
-            <a:r>
-              <a:rPr lang="en-US" altLang="ko-KR" sz="1400" dirty="0">
-                <a:latin typeface="Arial" panose="020B0604020202020204" pitchFamily="34" charset="0"/>
-                <a:cs typeface="Arial" panose="020B0604020202020204" pitchFamily="34" charset="0"/>
-              </a:rPr>
-              <a:t>(e.g.) including</a:t>
-            </a:r>
-          </a:p>
-          <a:p>
-            <a:pPr algn="ctr"/>
-            <a:r>
-              <a:rPr lang="en-US" altLang="ko-KR" sz="1400" dirty="0">
-                <a:latin typeface="Arial" panose="020B0604020202020204" pitchFamily="34" charset="0"/>
-                <a:cs typeface="Arial" panose="020B0604020202020204" pitchFamily="34" charset="0"/>
-              </a:rPr>
-              <a:t>[NO3-],</a:t>
-            </a:r>
-          </a:p>
-          <a:p>
-            <a:pPr algn="ctr"/>
-            <a:r>
-              <a:rPr lang="en-US" altLang="ko-KR" sz="1400" dirty="0">
-                <a:latin typeface="Arial" panose="020B0604020202020204" pitchFamily="34" charset="0"/>
-                <a:cs typeface="Arial" panose="020B0604020202020204" pitchFamily="34" charset="0"/>
-              </a:rPr>
-              <a:t>[OH-], …</a:t>
-            </a:r>
-            <a:endParaRPr lang="ko-KR" altLang="en-US" sz="1400" dirty="0">
-              <a:latin typeface="Arial" panose="020B0604020202020204" pitchFamily="34" charset="0"/>
-              <a:cs typeface="Arial" panose="020B0604020202020204" pitchFamily="34" charset="0"/>
-            </a:endParaRPr>
-          </a:p>
-        </p:txBody>
-      </p:sp>
-      <p:sp>
-        <p:nvSpPr>
-          <p:cNvPr id="23" name="TextBox 22">
-            <a:extLst>
-              <a:ext uri="{FF2B5EF4-FFF2-40B4-BE49-F238E27FC236}">
-                <a16:creationId xmlns:a16="http://schemas.microsoft.com/office/drawing/2014/main" id="{6F1D3BB4-D547-4B64-AA8B-797A025E11F2}"/>
-              </a:ext>
-            </a:extLst>
-          </p:cNvPr>
-          <p:cNvSpPr txBox="1"/>
-          <p:nvPr/>
-        </p:nvSpPr>
-        <p:spPr>
-          <a:xfrm>
-            <a:off x="6487023" y="4702866"/>
-            <a:ext cx="1808463" cy="738664"/>
-          </a:xfrm>
-          <a:prstGeom prst="rect">
-            <a:avLst/>
-          </a:prstGeom>
-          <a:noFill/>
-        </p:spPr>
-        <p:txBody>
-          <a:bodyPr wrap="square" rtlCol="0">
-            <a:spAutoFit/>
-          </a:bodyPr>
-          <a:lstStyle/>
-          <a:p>
-            <a:pPr algn="ctr"/>
-            <a:r>
-              <a:rPr lang="en-US" altLang="ko-KR" sz="1400" dirty="0">
-                <a:latin typeface="Arial" panose="020B0604020202020204" pitchFamily="34" charset="0"/>
-                <a:cs typeface="Arial" panose="020B0604020202020204" pitchFamily="34" charset="0"/>
-              </a:rPr>
-              <a:t>Set of elements (Precursors</a:t>
-            </a:r>
-          </a:p>
-          <a:p>
-            <a:pPr algn="ctr"/>
-            <a:r>
-              <a:rPr lang="en-US" altLang="ko-KR" sz="1400" dirty="0">
-                <a:latin typeface="Arial" panose="020B0604020202020204" pitchFamily="34" charset="0"/>
-                <a:cs typeface="Arial" panose="020B0604020202020204" pitchFamily="34" charset="0"/>
-              </a:rPr>
-              <a:t>≠ Products)</a:t>
-            </a:r>
-            <a:endParaRPr lang="ko-KR" altLang="en-US" sz="1400" dirty="0">
-              <a:latin typeface="Arial" panose="020B0604020202020204" pitchFamily="34" charset="0"/>
-              <a:cs typeface="Arial" panose="020B0604020202020204" pitchFamily="34" charset="0"/>
-            </a:endParaRPr>
-          </a:p>
-        </p:txBody>
-      </p:sp>
-      <p:sp>
-        <p:nvSpPr>
-          <p:cNvPr id="24" name="TextBox 23">
-            <a:extLst>
-              <a:ext uri="{FF2B5EF4-FFF2-40B4-BE49-F238E27FC236}">
-                <a16:creationId xmlns:a16="http://schemas.microsoft.com/office/drawing/2014/main" id="{2CE0A0B2-EC63-4951-B735-992E9935CB80}"/>
-              </a:ext>
-            </a:extLst>
-          </p:cNvPr>
-          <p:cNvSpPr txBox="1"/>
-          <p:nvPr/>
-        </p:nvSpPr>
-        <p:spPr>
-          <a:xfrm>
-            <a:off x="8275527" y="4649436"/>
-            <a:ext cx="1675072" cy="954107"/>
-          </a:xfrm>
-          <a:prstGeom prst="rect">
-            <a:avLst/>
-          </a:prstGeom>
-          <a:noFill/>
-        </p:spPr>
-        <p:txBody>
-          <a:bodyPr wrap="square" rtlCol="0">
-            <a:spAutoFit/>
-          </a:bodyPr>
-          <a:lstStyle/>
-          <a:p>
-            <a:pPr algn="ctr"/>
-            <a:r>
-              <a:rPr lang="pt-BR" altLang="ko-KR" sz="1400" dirty="0">
-                <a:latin typeface="Arial" panose="020B0604020202020204" pitchFamily="34" charset="0"/>
-                <a:cs typeface="Arial" panose="020B0604020202020204" pitchFamily="34" charset="0"/>
-              </a:rPr>
-              <a:t>Discard such as unusual O2O3, I, H2, H, N2, N, ... in precursors cases</a:t>
-            </a:r>
-            <a:endParaRPr lang="ko-KR" altLang="en-US" sz="1400" dirty="0">
-              <a:latin typeface="Arial" panose="020B0604020202020204" pitchFamily="34" charset="0"/>
-              <a:cs typeface="Arial" panose="020B0604020202020204" pitchFamily="34" charset="0"/>
-            </a:endParaRPr>
-          </a:p>
-        </p:txBody>
-      </p:sp>
-      <p:sp>
-        <p:nvSpPr>
-          <p:cNvPr id="19" name="화살표: 위로 굽음 18">
-            <a:extLst>
-              <a:ext uri="{FF2B5EF4-FFF2-40B4-BE49-F238E27FC236}">
-                <a16:creationId xmlns:a16="http://schemas.microsoft.com/office/drawing/2014/main" id="{A1AC9610-2552-4057-8476-6DE2942D7C1E}"/>
+          <p:cNvPr id="25" name="화살표: 위로 굽음 24">
+            <a:extLst>
+              <a:ext uri="{FF2B5EF4-FFF2-40B4-BE49-F238E27FC236}">
+                <a16:creationId xmlns:a16="http://schemas.microsoft.com/office/drawing/2014/main" id="{6FBCE78D-1EF2-46A0-A205-C4C24EBF8491}"/>
               </a:ext>
             </a:extLst>
           </p:cNvPr>
@@ -3986,8 +3828,8 @@
         </p:nvSpPr>
         <p:spPr>
           <a:xfrm flipV="1">
-            <a:off x="1299382" y="1397372"/>
-            <a:ext cx="8160707" cy="1692742"/>
+            <a:off x="1232706" y="1517888"/>
+            <a:ext cx="8816169" cy="1388624"/>
           </a:xfrm>
           <a:prstGeom prst="bentUpArrow">
             <a:avLst>
@@ -3997,7 +3839,7 @@
             </a:avLst>
           </a:prstGeom>
           <a:solidFill>
-            <a:srgbClr val="666EBE"/>
+            <a:srgbClr val="6B6DBC"/>
           </a:solidFill>
           <a:ln>
             <a:noFill/>
@@ -4030,10 +3872,609 @@
       </p:sp>
       <p:sp>
         <p:nvSpPr>
-          <p:cNvPr id="17" name="화살표: 위로 굽음 16">
-            <a:extLst>
-              <a:ext uri="{FF2B5EF4-FFF2-40B4-BE49-F238E27FC236}">
-                <a16:creationId xmlns:a16="http://schemas.microsoft.com/office/drawing/2014/main" id="{2B1157D9-FC55-4221-BFDB-7AF8948C21BE}"/>
+          <p:cNvPr id="4" name="TextBox 3">
+            <a:extLst>
+              <a:ext uri="{FF2B5EF4-FFF2-40B4-BE49-F238E27FC236}">
+                <a16:creationId xmlns:a16="http://schemas.microsoft.com/office/drawing/2014/main" id="{97C199FA-7E64-46F2-8EF0-D11C0558856B}"/>
+              </a:ext>
+            </a:extLst>
+          </p:cNvPr>
+          <p:cNvSpPr txBox="1"/>
+          <p:nvPr/>
+        </p:nvSpPr>
+        <p:spPr>
+          <a:xfrm>
+            <a:off x="136971" y="125019"/>
+            <a:ext cx="6016391" cy="461665"/>
+          </a:xfrm>
+          <a:prstGeom prst="rect">
+            <a:avLst/>
+          </a:prstGeom>
+          <a:noFill/>
+        </p:spPr>
+        <p:txBody>
+          <a:bodyPr wrap="none" rtlCol="0">
+            <a:spAutoFit/>
+          </a:bodyPr>
+          <a:lstStyle/>
+          <a:p>
+            <a:r>
+              <a:rPr lang="en-US" altLang="ko-KR" sz="2400" b="1" dirty="0">
+                <a:latin typeface="Arial" panose="020B0604020202020204" pitchFamily="34" charset="0"/>
+                <a:cs typeface="Arial" panose="020B0604020202020204" pitchFamily="34" charset="0"/>
+              </a:rPr>
+              <a:t>Sankey diagram of data preprocessing</a:t>
+            </a:r>
+          </a:p>
+        </p:txBody>
+      </p:sp>
+      <p:sp>
+        <p:nvSpPr>
+          <p:cNvPr id="13" name="TextBox 12">
+            <a:extLst>
+              <a:ext uri="{FF2B5EF4-FFF2-40B4-BE49-F238E27FC236}">
+                <a16:creationId xmlns:a16="http://schemas.microsoft.com/office/drawing/2014/main" id="{E93D182E-C7F7-4098-929E-71778E5F7D61}"/>
+              </a:ext>
+            </a:extLst>
+          </p:cNvPr>
+          <p:cNvSpPr txBox="1"/>
+          <p:nvPr/>
+        </p:nvSpPr>
+        <p:spPr>
+          <a:xfrm>
+            <a:off x="1280644" y="4581772"/>
+            <a:ext cx="1531188" cy="1138773"/>
+          </a:xfrm>
+          <a:prstGeom prst="rect">
+            <a:avLst/>
+          </a:prstGeom>
+          <a:noFill/>
+        </p:spPr>
+        <p:txBody>
+          <a:bodyPr wrap="none" rtlCol="0">
+            <a:spAutoFit/>
+          </a:bodyPr>
+          <a:lstStyle/>
+          <a:p>
+            <a:pPr algn="ctr"/>
+            <a:r>
+              <a:rPr lang="en-US" altLang="ko-KR" sz="1700" b="1" dirty="0">
+                <a:solidFill>
+                  <a:srgbClr val="C00000"/>
+                </a:solidFill>
+                <a:latin typeface="Arial" panose="020B0604020202020204" pitchFamily="34" charset="0"/>
+                <a:cs typeface="Arial" panose="020B0604020202020204" pitchFamily="34" charset="0"/>
+              </a:rPr>
+              <a:t>Inconsistent/</a:t>
+            </a:r>
+          </a:p>
+          <a:p>
+            <a:pPr algn="ctr"/>
+            <a:r>
+              <a:rPr lang="en-US" altLang="ko-KR" sz="1700" b="1" dirty="0">
+                <a:solidFill>
+                  <a:srgbClr val="C00000"/>
+                </a:solidFill>
+                <a:latin typeface="Arial" panose="020B0604020202020204" pitchFamily="34" charset="0"/>
+                <a:cs typeface="Arial" panose="020B0604020202020204" pitchFamily="34" charset="0"/>
+              </a:rPr>
+              <a:t>mismatch</a:t>
+            </a:r>
+          </a:p>
+          <a:p>
+            <a:pPr algn="ctr"/>
+            <a:r>
+              <a:rPr lang="en-US" altLang="ko-KR" sz="1700" b="1" dirty="0">
+                <a:solidFill>
+                  <a:srgbClr val="C00000"/>
+                </a:solidFill>
+                <a:latin typeface="Arial" panose="020B0604020202020204" pitchFamily="34" charset="0"/>
+                <a:cs typeface="Arial" panose="020B0604020202020204" pitchFamily="34" charset="0"/>
+              </a:rPr>
+              <a:t>data</a:t>
+            </a:r>
+          </a:p>
+          <a:p>
+            <a:pPr algn="ctr"/>
+            <a:r>
+              <a:rPr lang="en-US" altLang="ko-KR" sz="1700" b="1" dirty="0">
+                <a:solidFill>
+                  <a:srgbClr val="C00000"/>
+                </a:solidFill>
+                <a:latin typeface="Arial" panose="020B0604020202020204" pitchFamily="34" charset="0"/>
+                <a:cs typeface="Arial" panose="020B0604020202020204" pitchFamily="34" charset="0"/>
+              </a:rPr>
+              <a:t>(10,306)</a:t>
+            </a:r>
+            <a:endParaRPr lang="ko-KR" altLang="en-US" sz="1700" b="1" dirty="0">
+              <a:solidFill>
+                <a:srgbClr val="C00000"/>
+              </a:solidFill>
+              <a:latin typeface="Arial" panose="020B0604020202020204" pitchFamily="34" charset="0"/>
+              <a:cs typeface="Arial" panose="020B0604020202020204" pitchFamily="34" charset="0"/>
+            </a:endParaRPr>
+          </a:p>
+        </p:txBody>
+      </p:sp>
+      <p:sp>
+        <p:nvSpPr>
+          <p:cNvPr id="14" name="TextBox 13">
+            <a:extLst>
+              <a:ext uri="{FF2B5EF4-FFF2-40B4-BE49-F238E27FC236}">
+                <a16:creationId xmlns:a16="http://schemas.microsoft.com/office/drawing/2014/main" id="{942BB202-A99D-4485-B886-1E59877AF452}"/>
+              </a:ext>
+            </a:extLst>
+          </p:cNvPr>
+          <p:cNvSpPr txBox="1"/>
+          <p:nvPr/>
+        </p:nvSpPr>
+        <p:spPr>
+          <a:xfrm>
+            <a:off x="2838918" y="4269510"/>
+            <a:ext cx="1634424" cy="1138773"/>
+          </a:xfrm>
+          <a:prstGeom prst="rect">
+            <a:avLst/>
+          </a:prstGeom>
+          <a:noFill/>
+        </p:spPr>
+        <p:txBody>
+          <a:bodyPr wrap="square" rtlCol="0">
+            <a:spAutoFit/>
+          </a:bodyPr>
+          <a:lstStyle/>
+          <a:p>
+            <a:pPr algn="ctr"/>
+            <a:r>
+              <a:rPr lang="en-US" altLang="ko-KR" sz="1700" b="1" dirty="0">
+                <a:solidFill>
+                  <a:srgbClr val="C00000"/>
+                </a:solidFill>
+                <a:latin typeface="Arial" panose="020B0604020202020204" pitchFamily="34" charset="0"/>
+                <a:cs typeface="Arial" panose="020B0604020202020204" pitchFamily="34" charset="0"/>
+              </a:rPr>
+              <a:t>Vague composition case</a:t>
+            </a:r>
+          </a:p>
+          <a:p>
+            <a:pPr algn="ctr"/>
+            <a:r>
+              <a:rPr lang="en-US" altLang="ko-KR" sz="1700" b="1" dirty="0">
+                <a:solidFill>
+                  <a:srgbClr val="C00000"/>
+                </a:solidFill>
+                <a:latin typeface="Arial" panose="020B0604020202020204" pitchFamily="34" charset="0"/>
+                <a:cs typeface="Arial" panose="020B0604020202020204" pitchFamily="34" charset="0"/>
+              </a:rPr>
+              <a:t>(1,888)</a:t>
+            </a:r>
+            <a:endParaRPr lang="ko-KR" altLang="en-US" sz="1700" b="1" dirty="0">
+              <a:solidFill>
+                <a:srgbClr val="C00000"/>
+              </a:solidFill>
+              <a:latin typeface="Arial" panose="020B0604020202020204" pitchFamily="34" charset="0"/>
+              <a:cs typeface="Arial" panose="020B0604020202020204" pitchFamily="34" charset="0"/>
+            </a:endParaRPr>
+          </a:p>
+        </p:txBody>
+      </p:sp>
+      <p:sp>
+        <p:nvSpPr>
+          <p:cNvPr id="16" name="TextBox 15">
+            <a:extLst>
+              <a:ext uri="{FF2B5EF4-FFF2-40B4-BE49-F238E27FC236}">
+                <a16:creationId xmlns:a16="http://schemas.microsoft.com/office/drawing/2014/main" id="{D54A7659-4621-4D65-952C-021DA89D5B0B}"/>
+              </a:ext>
+            </a:extLst>
+          </p:cNvPr>
+          <p:cNvSpPr txBox="1"/>
+          <p:nvPr/>
+        </p:nvSpPr>
+        <p:spPr>
+          <a:xfrm>
+            <a:off x="4352685" y="3970164"/>
+            <a:ext cx="1521249" cy="1400383"/>
+          </a:xfrm>
+          <a:prstGeom prst="rect">
+            <a:avLst/>
+          </a:prstGeom>
+          <a:noFill/>
+        </p:spPr>
+        <p:txBody>
+          <a:bodyPr wrap="square" rtlCol="0">
+            <a:spAutoFit/>
+          </a:bodyPr>
+          <a:lstStyle/>
+          <a:p>
+            <a:pPr algn="ctr"/>
+            <a:r>
+              <a:rPr lang="en-US" altLang="ko-KR" sz="1700" b="1" dirty="0">
+                <a:solidFill>
+                  <a:srgbClr val="C00000"/>
+                </a:solidFill>
+                <a:latin typeface="Arial" panose="020B0604020202020204" pitchFamily="34" charset="0"/>
+                <a:cs typeface="Arial" panose="020B0604020202020204" pitchFamily="34" charset="0"/>
+              </a:rPr>
+              <a:t>Ionic/</a:t>
+            </a:r>
+          </a:p>
+          <a:p>
+            <a:pPr algn="ctr"/>
+            <a:r>
+              <a:rPr lang="en-US" altLang="ko-KR" sz="1700" b="1" dirty="0">
+                <a:solidFill>
+                  <a:srgbClr val="C00000"/>
+                </a:solidFill>
+                <a:latin typeface="Arial" panose="020B0604020202020204" pitchFamily="34" charset="0"/>
+                <a:cs typeface="Arial" panose="020B0604020202020204" pitchFamily="34" charset="0"/>
+              </a:rPr>
+              <a:t>abnormal reaction case</a:t>
+            </a:r>
+          </a:p>
+          <a:p>
+            <a:pPr algn="ctr"/>
+            <a:r>
+              <a:rPr lang="en-US" altLang="ko-KR" sz="1700" b="1" dirty="0">
+                <a:solidFill>
+                  <a:srgbClr val="C00000"/>
+                </a:solidFill>
+                <a:latin typeface="Arial" panose="020B0604020202020204" pitchFamily="34" charset="0"/>
+                <a:cs typeface="Arial" panose="020B0604020202020204" pitchFamily="34" charset="0"/>
+              </a:rPr>
+              <a:t>(517)</a:t>
+            </a:r>
+            <a:endParaRPr lang="ko-KR" altLang="en-US" sz="1700" b="1" dirty="0">
+              <a:solidFill>
+                <a:srgbClr val="C00000"/>
+              </a:solidFill>
+              <a:latin typeface="Arial" panose="020B0604020202020204" pitchFamily="34" charset="0"/>
+              <a:cs typeface="Arial" panose="020B0604020202020204" pitchFamily="34" charset="0"/>
+            </a:endParaRPr>
+          </a:p>
+        </p:txBody>
+      </p:sp>
+      <p:sp>
+        <p:nvSpPr>
+          <p:cNvPr id="18" name="TextBox 17">
+            <a:extLst>
+              <a:ext uri="{FF2B5EF4-FFF2-40B4-BE49-F238E27FC236}">
+                <a16:creationId xmlns:a16="http://schemas.microsoft.com/office/drawing/2014/main" id="{ACAD7641-9BA8-4AFF-B45D-D134E687AD67}"/>
+              </a:ext>
+            </a:extLst>
+          </p:cNvPr>
+          <p:cNvSpPr txBox="1"/>
+          <p:nvPr/>
+        </p:nvSpPr>
+        <p:spPr>
+          <a:xfrm>
+            <a:off x="5676378" y="3655446"/>
+            <a:ext cx="1675072" cy="1138773"/>
+          </a:xfrm>
+          <a:prstGeom prst="rect">
+            <a:avLst/>
+          </a:prstGeom>
+          <a:noFill/>
+        </p:spPr>
+        <p:txBody>
+          <a:bodyPr wrap="square" rtlCol="0">
+            <a:spAutoFit/>
+          </a:bodyPr>
+          <a:lstStyle/>
+          <a:p>
+            <a:pPr algn="ctr"/>
+            <a:r>
+              <a:rPr lang="en-US" altLang="ko-KR" sz="1700" b="1" dirty="0">
+                <a:solidFill>
+                  <a:srgbClr val="C00000"/>
+                </a:solidFill>
+                <a:latin typeface="Arial" panose="020B0604020202020204" pitchFamily="34" charset="0"/>
+                <a:cs typeface="Arial" panose="020B0604020202020204" pitchFamily="34" charset="0"/>
+              </a:rPr>
+              <a:t>Element non-conserved case</a:t>
+            </a:r>
+          </a:p>
+          <a:p>
+            <a:pPr algn="ctr"/>
+            <a:r>
+              <a:rPr lang="en-US" altLang="ko-KR" sz="1700" b="1" dirty="0">
+                <a:solidFill>
+                  <a:srgbClr val="C00000"/>
+                </a:solidFill>
+                <a:latin typeface="Arial" panose="020B0604020202020204" pitchFamily="34" charset="0"/>
+                <a:cs typeface="Arial" panose="020B0604020202020204" pitchFamily="34" charset="0"/>
+              </a:rPr>
+              <a:t>(202)</a:t>
+            </a:r>
+            <a:endParaRPr lang="ko-KR" altLang="en-US" sz="1700" b="1" dirty="0">
+              <a:solidFill>
+                <a:srgbClr val="C00000"/>
+              </a:solidFill>
+              <a:latin typeface="Arial" panose="020B0604020202020204" pitchFamily="34" charset="0"/>
+              <a:cs typeface="Arial" panose="020B0604020202020204" pitchFamily="34" charset="0"/>
+            </a:endParaRPr>
+          </a:p>
+        </p:txBody>
+      </p:sp>
+      <p:sp>
+        <p:nvSpPr>
+          <p:cNvPr id="20" name="TextBox 19">
+            <a:extLst>
+              <a:ext uri="{FF2B5EF4-FFF2-40B4-BE49-F238E27FC236}">
+                <a16:creationId xmlns:a16="http://schemas.microsoft.com/office/drawing/2014/main" id="{5670D54A-0C24-4A5E-A3CA-EAF0A8A12049}"/>
+              </a:ext>
+            </a:extLst>
+          </p:cNvPr>
+          <p:cNvSpPr txBox="1"/>
+          <p:nvPr/>
+        </p:nvSpPr>
+        <p:spPr>
+          <a:xfrm>
+            <a:off x="7098951" y="3233899"/>
+            <a:ext cx="2172758" cy="1138773"/>
+          </a:xfrm>
+          <a:prstGeom prst="rect">
+            <a:avLst/>
+          </a:prstGeom>
+          <a:noFill/>
+        </p:spPr>
+        <p:txBody>
+          <a:bodyPr wrap="square" rtlCol="0">
+            <a:spAutoFit/>
+          </a:bodyPr>
+          <a:lstStyle/>
+          <a:p>
+            <a:pPr algn="ctr"/>
+            <a:r>
+              <a:rPr lang="en-US" altLang="ko-KR" sz="1700" b="1" dirty="0">
+                <a:solidFill>
+                  <a:srgbClr val="C00000"/>
+                </a:solidFill>
+                <a:latin typeface="Arial" panose="020B0604020202020204" pitchFamily="34" charset="0"/>
+                <a:cs typeface="Arial" panose="020B0604020202020204" pitchFamily="34" charset="0"/>
+              </a:rPr>
+              <a:t>Removing unusual (&lt;10) non-metal precursor case</a:t>
+            </a:r>
+          </a:p>
+          <a:p>
+            <a:pPr algn="ctr"/>
+            <a:r>
+              <a:rPr lang="en-US" altLang="ko-KR" sz="1700" b="1" dirty="0">
+                <a:solidFill>
+                  <a:srgbClr val="C00000"/>
+                </a:solidFill>
+                <a:latin typeface="Arial" panose="020B0604020202020204" pitchFamily="34" charset="0"/>
+                <a:cs typeface="Arial" panose="020B0604020202020204" pitchFamily="34" charset="0"/>
+              </a:rPr>
+              <a:t>(83)</a:t>
+            </a:r>
+            <a:endParaRPr lang="ko-KR" altLang="en-US" sz="1700" b="1" dirty="0">
+              <a:solidFill>
+                <a:srgbClr val="C00000"/>
+              </a:solidFill>
+              <a:latin typeface="Arial" panose="020B0604020202020204" pitchFamily="34" charset="0"/>
+              <a:cs typeface="Arial" panose="020B0604020202020204" pitchFamily="34" charset="0"/>
+            </a:endParaRPr>
+          </a:p>
+        </p:txBody>
+      </p:sp>
+      <p:sp>
+        <p:nvSpPr>
+          <p:cNvPr id="21" name="TextBox 20">
+            <a:extLst>
+              <a:ext uri="{FF2B5EF4-FFF2-40B4-BE49-F238E27FC236}">
+                <a16:creationId xmlns:a16="http://schemas.microsoft.com/office/drawing/2014/main" id="{578F92D9-08EA-4FAB-84ED-4906CB457A3D}"/>
+              </a:ext>
+            </a:extLst>
+          </p:cNvPr>
+          <p:cNvSpPr txBox="1"/>
+          <p:nvPr/>
+        </p:nvSpPr>
+        <p:spPr>
+          <a:xfrm>
+            <a:off x="2632947" y="5454517"/>
+            <a:ext cx="2009422" cy="738664"/>
+          </a:xfrm>
+          <a:prstGeom prst="rect">
+            <a:avLst/>
+          </a:prstGeom>
+          <a:noFill/>
+        </p:spPr>
+        <p:txBody>
+          <a:bodyPr wrap="square" rtlCol="0">
+            <a:spAutoFit/>
+          </a:bodyPr>
+          <a:lstStyle/>
+          <a:p>
+            <a:pPr algn="ctr"/>
+            <a:r>
+              <a:rPr lang="en-US" altLang="ko-KR" sz="1400" dirty="0">
+                <a:latin typeface="Arial" panose="020B0604020202020204" pitchFamily="34" charset="0"/>
+                <a:cs typeface="Arial" panose="020B0604020202020204" pitchFamily="34" charset="0"/>
+              </a:rPr>
+              <a:t>(e.g.) invalid x, y, z number in</a:t>
+            </a:r>
+          </a:p>
+          <a:p>
+            <a:pPr algn="ctr"/>
+            <a:r>
+              <a:rPr lang="en-US" altLang="ko-KR" sz="1400" dirty="0">
+                <a:latin typeface="Arial" panose="020B0604020202020204" pitchFamily="34" charset="0"/>
+                <a:cs typeface="Arial" panose="020B0604020202020204" pitchFamily="34" charset="0"/>
+              </a:rPr>
+              <a:t>LixFe1-yMnyO2</a:t>
+            </a:r>
+            <a:endParaRPr lang="ko-KR" altLang="en-US" sz="1400" dirty="0">
+              <a:latin typeface="Arial" panose="020B0604020202020204" pitchFamily="34" charset="0"/>
+              <a:cs typeface="Arial" panose="020B0604020202020204" pitchFamily="34" charset="0"/>
+            </a:endParaRPr>
+          </a:p>
+        </p:txBody>
+      </p:sp>
+      <p:sp>
+        <p:nvSpPr>
+          <p:cNvPr id="22" name="TextBox 21">
+            <a:extLst>
+              <a:ext uri="{FF2B5EF4-FFF2-40B4-BE49-F238E27FC236}">
+                <a16:creationId xmlns:a16="http://schemas.microsoft.com/office/drawing/2014/main" id="{7EC5452D-DC3E-48CA-93F1-E3E6EDE85AD3}"/>
+              </a:ext>
+            </a:extLst>
+          </p:cNvPr>
+          <p:cNvSpPr txBox="1"/>
+          <p:nvPr/>
+        </p:nvSpPr>
+        <p:spPr>
+          <a:xfrm>
+            <a:off x="4336948" y="5447492"/>
+            <a:ext cx="1675072" cy="738664"/>
+          </a:xfrm>
+          <a:prstGeom prst="rect">
+            <a:avLst/>
+          </a:prstGeom>
+          <a:noFill/>
+        </p:spPr>
+        <p:txBody>
+          <a:bodyPr wrap="square" rtlCol="0">
+            <a:spAutoFit/>
+          </a:bodyPr>
+          <a:lstStyle/>
+          <a:p>
+            <a:pPr algn="ctr"/>
+            <a:r>
+              <a:rPr lang="en-US" altLang="ko-KR" sz="1400" dirty="0">
+                <a:latin typeface="Arial" panose="020B0604020202020204" pitchFamily="34" charset="0"/>
+                <a:cs typeface="Arial" panose="020B0604020202020204" pitchFamily="34" charset="0"/>
+              </a:rPr>
+              <a:t>(e.g.) including</a:t>
+            </a:r>
+          </a:p>
+          <a:p>
+            <a:pPr algn="ctr"/>
+            <a:r>
+              <a:rPr lang="en-US" altLang="ko-KR" sz="1400" dirty="0">
+                <a:latin typeface="Arial" panose="020B0604020202020204" pitchFamily="34" charset="0"/>
+                <a:cs typeface="Arial" panose="020B0604020202020204" pitchFamily="34" charset="0"/>
+              </a:rPr>
+              <a:t>[NO3-],</a:t>
+            </a:r>
+          </a:p>
+          <a:p>
+            <a:pPr algn="ctr"/>
+            <a:r>
+              <a:rPr lang="en-US" altLang="ko-KR" sz="1400" dirty="0">
+                <a:latin typeface="Arial" panose="020B0604020202020204" pitchFamily="34" charset="0"/>
+                <a:cs typeface="Arial" panose="020B0604020202020204" pitchFamily="34" charset="0"/>
+              </a:rPr>
+              <a:t>[OH-], …</a:t>
+            </a:r>
+            <a:endParaRPr lang="ko-KR" altLang="en-US" sz="1400" dirty="0">
+              <a:latin typeface="Arial" panose="020B0604020202020204" pitchFamily="34" charset="0"/>
+              <a:cs typeface="Arial" panose="020B0604020202020204" pitchFamily="34" charset="0"/>
+            </a:endParaRPr>
+          </a:p>
+        </p:txBody>
+      </p:sp>
+      <p:sp>
+        <p:nvSpPr>
+          <p:cNvPr id="23" name="TextBox 22">
+            <a:extLst>
+              <a:ext uri="{FF2B5EF4-FFF2-40B4-BE49-F238E27FC236}">
+                <a16:creationId xmlns:a16="http://schemas.microsoft.com/office/drawing/2014/main" id="{6F1D3BB4-D547-4B64-AA8B-797A025E11F2}"/>
+              </a:ext>
+            </a:extLst>
+          </p:cNvPr>
+          <p:cNvSpPr txBox="1"/>
+          <p:nvPr/>
+        </p:nvSpPr>
+        <p:spPr>
+          <a:xfrm>
+            <a:off x="5638277" y="4861580"/>
+            <a:ext cx="1808463" cy="738664"/>
+          </a:xfrm>
+          <a:prstGeom prst="rect">
+            <a:avLst/>
+          </a:prstGeom>
+          <a:noFill/>
+        </p:spPr>
+        <p:txBody>
+          <a:bodyPr wrap="square" rtlCol="0">
+            <a:spAutoFit/>
+          </a:bodyPr>
+          <a:lstStyle/>
+          <a:p>
+            <a:pPr algn="ctr"/>
+            <a:r>
+              <a:rPr lang="en-US" altLang="ko-KR" sz="1400" dirty="0">
+                <a:latin typeface="Arial" panose="020B0604020202020204" pitchFamily="34" charset="0"/>
+                <a:cs typeface="Arial" panose="020B0604020202020204" pitchFamily="34" charset="0"/>
+              </a:rPr>
+              <a:t>Set of elements (Precursors</a:t>
+            </a:r>
+          </a:p>
+          <a:p>
+            <a:pPr algn="ctr"/>
+            <a:r>
+              <a:rPr lang="en-US" altLang="ko-KR" sz="1400" dirty="0">
+                <a:latin typeface="Arial" panose="020B0604020202020204" pitchFamily="34" charset="0"/>
+                <a:cs typeface="Arial" panose="020B0604020202020204" pitchFamily="34" charset="0"/>
+              </a:rPr>
+              <a:t>≠ Products)</a:t>
+            </a:r>
+            <a:endParaRPr lang="ko-KR" altLang="en-US" sz="1400" dirty="0">
+              <a:latin typeface="Arial" panose="020B0604020202020204" pitchFamily="34" charset="0"/>
+              <a:cs typeface="Arial" panose="020B0604020202020204" pitchFamily="34" charset="0"/>
+            </a:endParaRPr>
+          </a:p>
+        </p:txBody>
+      </p:sp>
+      <p:sp>
+        <p:nvSpPr>
+          <p:cNvPr id="24" name="TextBox 23">
+            <a:extLst>
+              <a:ext uri="{FF2B5EF4-FFF2-40B4-BE49-F238E27FC236}">
+                <a16:creationId xmlns:a16="http://schemas.microsoft.com/office/drawing/2014/main" id="{2CE0A0B2-EC63-4951-B735-992E9935CB80}"/>
+              </a:ext>
+            </a:extLst>
+          </p:cNvPr>
+          <p:cNvSpPr txBox="1"/>
+          <p:nvPr/>
+        </p:nvSpPr>
+        <p:spPr>
+          <a:xfrm>
+            <a:off x="7313428" y="4463838"/>
+            <a:ext cx="1675072" cy="954107"/>
+          </a:xfrm>
+          <a:prstGeom prst="rect">
+            <a:avLst/>
+          </a:prstGeom>
+          <a:noFill/>
+        </p:spPr>
+        <p:txBody>
+          <a:bodyPr wrap="square" rtlCol="0">
+            <a:spAutoFit/>
+          </a:bodyPr>
+          <a:lstStyle/>
+          <a:p>
+            <a:pPr algn="ctr"/>
+            <a:r>
+              <a:rPr lang="pt-BR" altLang="ko-KR" sz="1400" dirty="0">
+                <a:latin typeface="Arial" panose="020B0604020202020204" pitchFamily="34" charset="0"/>
+                <a:cs typeface="Arial" panose="020B0604020202020204" pitchFamily="34" charset="0"/>
+              </a:rPr>
+              <a:t>Discard such as unusual O2O3, I, H2, H, N2, N, ... in precursors cases</a:t>
+            </a:r>
+            <a:endParaRPr lang="ko-KR" altLang="en-US" sz="1400" dirty="0">
+              <a:latin typeface="Arial" panose="020B0604020202020204" pitchFamily="34" charset="0"/>
+              <a:cs typeface="Arial" panose="020B0604020202020204" pitchFamily="34" charset="0"/>
+            </a:endParaRPr>
+          </a:p>
+        </p:txBody>
+      </p:sp>
+      <p:sp>
+        <p:nvSpPr>
+          <p:cNvPr id="19" name="화살표: 위로 굽음 18">
+            <a:extLst>
+              <a:ext uri="{FF2B5EF4-FFF2-40B4-BE49-F238E27FC236}">
+                <a16:creationId xmlns:a16="http://schemas.microsoft.com/office/drawing/2014/main" id="{A1AC9610-2552-4057-8476-6DE2942D7C1E}"/>
               </a:ext>
             </a:extLst>
           </p:cNvPr>
@@ -4042,8 +4483,8 @@
         </p:nvSpPr>
         <p:spPr>
           <a:xfrm flipV="1">
-            <a:off x="1299383" y="1743245"/>
-            <a:ext cx="6501239" cy="1692742"/>
+            <a:off x="1232707" y="1845726"/>
+            <a:ext cx="7244543" cy="1388624"/>
           </a:xfrm>
           <a:prstGeom prst="bentUpArrow">
             <a:avLst>
@@ -4053,7 +4494,7 @@
             </a:avLst>
           </a:prstGeom>
           <a:solidFill>
-            <a:srgbClr val="8B61A7"/>
+            <a:srgbClr val="8D60A5"/>
           </a:solidFill>
           <a:ln>
             <a:noFill/>
@@ -4086,10 +4527,10 @@
       </p:sp>
       <p:sp>
         <p:nvSpPr>
-          <p:cNvPr id="15" name="화살표: 위로 굽음 14">
-            <a:extLst>
-              <a:ext uri="{FF2B5EF4-FFF2-40B4-BE49-F238E27FC236}">
-                <a16:creationId xmlns:a16="http://schemas.microsoft.com/office/drawing/2014/main" id="{83A0AB88-DB4D-4BF5-902B-01693BAD5197}"/>
+          <p:cNvPr id="17" name="화살표: 위로 굽음 16">
+            <a:extLst>
+              <a:ext uri="{FF2B5EF4-FFF2-40B4-BE49-F238E27FC236}">
+                <a16:creationId xmlns:a16="http://schemas.microsoft.com/office/drawing/2014/main" id="{2B1157D9-FC55-4221-BFDB-7AF8948C21BE}"/>
               </a:ext>
             </a:extLst>
           </p:cNvPr>
@@ -4098,8 +4539,8 @@
         </p:nvSpPr>
         <p:spPr>
           <a:xfrm flipV="1">
-            <a:off x="1299383" y="2071083"/>
-            <a:ext cx="4859902" cy="1692742"/>
+            <a:off x="1232709" y="2191599"/>
+            <a:ext cx="5587191" cy="1388624"/>
           </a:xfrm>
           <a:prstGeom prst="bentUpArrow">
             <a:avLst>
@@ -4109,7 +4550,7 @@
             </a:avLst>
           </a:prstGeom>
           <a:solidFill>
-            <a:srgbClr val="AC4474"/>
+            <a:srgbClr val="9F528D"/>
           </a:solidFill>
           <a:ln>
             <a:noFill/>
@@ -4142,10 +4583,10 @@
       </p:sp>
       <p:sp>
         <p:nvSpPr>
-          <p:cNvPr id="9" name="화살표: 위로 굽음 8">
-            <a:extLst>
-              <a:ext uri="{FF2B5EF4-FFF2-40B4-BE49-F238E27FC236}">
-                <a16:creationId xmlns:a16="http://schemas.microsoft.com/office/drawing/2014/main" id="{14187A9F-EB0A-4612-B796-939350773425}"/>
+          <p:cNvPr id="15" name="화살표: 위로 굽음 14">
+            <a:extLst>
+              <a:ext uri="{FF2B5EF4-FFF2-40B4-BE49-F238E27FC236}">
+                <a16:creationId xmlns:a16="http://schemas.microsoft.com/office/drawing/2014/main" id="{83A0AB88-DB4D-4BF5-902B-01693BAD5197}"/>
               </a:ext>
             </a:extLst>
           </p:cNvPr>
@@ -4154,8 +4595,64 @@
         </p:nvSpPr>
         <p:spPr>
           <a:xfrm flipV="1">
-            <a:off x="1299382" y="2380033"/>
-            <a:ext cx="3233921" cy="1692742"/>
+            <a:off x="1232708" y="2519437"/>
+            <a:ext cx="4222831" cy="1388624"/>
+          </a:xfrm>
+          <a:prstGeom prst="bentUpArrow">
+            <a:avLst>
+              <a:gd name="adj1" fmla="val 25000"/>
+              <a:gd name="adj2" fmla="val 24268"/>
+              <a:gd name="adj3" fmla="val 25000"/>
+            </a:avLst>
+          </a:prstGeom>
+          <a:solidFill>
+            <a:srgbClr val="B03D68"/>
+          </a:solidFill>
+          <a:ln>
+            <a:noFill/>
+          </a:ln>
+        </p:spPr>
+        <p:style>
+          <a:lnRef idx="2">
+            <a:schemeClr val="accent1">
+              <a:shade val="50000"/>
+            </a:schemeClr>
+          </a:lnRef>
+          <a:fillRef idx="1">
+            <a:schemeClr val="accent1"/>
+          </a:fillRef>
+          <a:effectRef idx="0">
+            <a:schemeClr val="accent1"/>
+          </a:effectRef>
+          <a:fontRef idx="minor">
+            <a:schemeClr val="lt1"/>
+          </a:fontRef>
+        </p:style>
+        <p:txBody>
+          <a:bodyPr rtlCol="0" anchor="ctr"/>
+          <a:lstStyle/>
+          <a:p>
+            <a:pPr algn="ctr"/>
+            <a:endParaRPr lang="ko-KR" altLang="en-US"/>
+          </a:p>
+        </p:txBody>
+      </p:sp>
+      <p:sp>
+        <p:nvSpPr>
+          <p:cNvPr id="9" name="화살표: 위로 굽음 8">
+            <a:extLst>
+              <a:ext uri="{FF2B5EF4-FFF2-40B4-BE49-F238E27FC236}">
+                <a16:creationId xmlns:a16="http://schemas.microsoft.com/office/drawing/2014/main" id="{14187A9F-EB0A-4612-B796-939350773425}"/>
+              </a:ext>
+            </a:extLst>
+          </p:cNvPr>
+          <p:cNvSpPr/>
+          <p:nvPr/>
+        </p:nvSpPr>
+        <p:spPr>
+          <a:xfrm flipV="1">
+            <a:off x="1232708" y="2828387"/>
+            <a:ext cx="2806374" cy="1388624"/>
           </a:xfrm>
           <a:prstGeom prst="bentUpArrow">
             <a:avLst>
@@ -4210,8 +4707,8 @@
         </p:nvSpPr>
         <p:spPr>
           <a:xfrm flipV="1">
-            <a:off x="1299383" y="2667415"/>
-            <a:ext cx="1748617" cy="1692742"/>
+            <a:off x="1232709" y="3115769"/>
+            <a:ext cx="1330280" cy="1388624"/>
           </a:xfrm>
           <a:prstGeom prst="bentUpArrow">
             <a:avLst>
@@ -4266,7 +4763,7 @@
         </p:nvSpPr>
         <p:spPr>
           <a:xfrm>
-            <a:off x="1466945" y="5695883"/>
+            <a:off x="969915" y="5797924"/>
             <a:ext cx="2009422" cy="954107"/>
           </a:xfrm>
           <a:prstGeom prst="rect">
@@ -4323,7 +4820,7 @@
         </p:nvSpPr>
         <p:spPr>
           <a:xfrm>
-            <a:off x="136971" y="1563251"/>
+            <a:off x="70296" y="2011605"/>
             <a:ext cx="1138453" cy="1015663"/>
           </a:xfrm>
           <a:prstGeom prst="rect">
@@ -4390,7 +4887,7 @@
         </p:nvSpPr>
         <p:spPr>
           <a:xfrm>
-            <a:off x="10679289" y="889540"/>
+            <a:off x="10879346" y="995942"/>
             <a:ext cx="1245979" cy="1015663"/>
           </a:xfrm>
           <a:prstGeom prst="rect">
@@ -4426,12 +4923,117 @@
                 <a:latin typeface="Arial" panose="020B0604020202020204" pitchFamily="34" charset="0"/>
                 <a:cs typeface="Arial" panose="020B0604020202020204" pitchFamily="34" charset="0"/>
               </a:rPr>
-              <a:t>(18,786)</a:t>
+              <a:t>(11,923)</a:t>
             </a:r>
             <a:endParaRPr lang="ko-KR" altLang="en-US" sz="2000" b="1" dirty="0">
               <a:solidFill>
                 <a:srgbClr val="0070C0"/>
               </a:solidFill>
+              <a:latin typeface="Arial" panose="020B0604020202020204" pitchFamily="34" charset="0"/>
+              <a:cs typeface="Arial" panose="020B0604020202020204" pitchFamily="34" charset="0"/>
+            </a:endParaRPr>
+          </a:p>
+        </p:txBody>
+      </p:sp>
+      <p:sp>
+        <p:nvSpPr>
+          <p:cNvPr id="26" name="TextBox 25">
+            <a:extLst>
+              <a:ext uri="{FF2B5EF4-FFF2-40B4-BE49-F238E27FC236}">
+                <a16:creationId xmlns:a16="http://schemas.microsoft.com/office/drawing/2014/main" id="{EB9FEA57-2F95-4707-A472-FBE458CD8DF3}"/>
+              </a:ext>
+            </a:extLst>
+          </p:cNvPr>
+          <p:cNvSpPr txBox="1"/>
+          <p:nvPr/>
+        </p:nvSpPr>
+        <p:spPr>
+          <a:xfrm>
+            <a:off x="9090301" y="2904961"/>
+            <a:ext cx="1395483" cy="877163"/>
+          </a:xfrm>
+          <a:prstGeom prst="rect">
+            <a:avLst/>
+          </a:prstGeom>
+          <a:noFill/>
+        </p:spPr>
+        <p:txBody>
+          <a:bodyPr wrap="square" rtlCol="0">
+            <a:spAutoFit/>
+          </a:bodyPr>
+          <a:lstStyle/>
+          <a:p>
+            <a:pPr algn="ctr"/>
+            <a:r>
+              <a:rPr lang="en-US" altLang="ko-KR" sz="1700" b="1" dirty="0">
+                <a:solidFill>
+                  <a:srgbClr val="C00000"/>
+                </a:solidFill>
+                <a:latin typeface="Arial" panose="020B0604020202020204" pitchFamily="34" charset="0"/>
+                <a:cs typeface="Arial" panose="020B0604020202020204" pitchFamily="34" charset="0"/>
+              </a:rPr>
+              <a:t>Removing duplicate</a:t>
+            </a:r>
+          </a:p>
+          <a:p>
+            <a:pPr algn="ctr"/>
+            <a:r>
+              <a:rPr lang="en-US" altLang="ko-KR" sz="1700" b="1" dirty="0">
+                <a:solidFill>
+                  <a:srgbClr val="C00000"/>
+                </a:solidFill>
+                <a:latin typeface="Arial" panose="020B0604020202020204" pitchFamily="34" charset="0"/>
+                <a:cs typeface="Arial" panose="020B0604020202020204" pitchFamily="34" charset="0"/>
+              </a:rPr>
+              <a:t>(6,863)</a:t>
+            </a:r>
+            <a:endParaRPr lang="ko-KR" altLang="en-US" sz="1700" b="1" dirty="0">
+              <a:solidFill>
+                <a:srgbClr val="C00000"/>
+              </a:solidFill>
+              <a:latin typeface="Arial" panose="020B0604020202020204" pitchFamily="34" charset="0"/>
+              <a:cs typeface="Arial" panose="020B0604020202020204" pitchFamily="34" charset="0"/>
+            </a:endParaRPr>
+          </a:p>
+        </p:txBody>
+      </p:sp>
+      <p:sp>
+        <p:nvSpPr>
+          <p:cNvPr id="31" name="TextBox 30">
+            <a:extLst>
+              <a:ext uri="{FF2B5EF4-FFF2-40B4-BE49-F238E27FC236}">
+                <a16:creationId xmlns:a16="http://schemas.microsoft.com/office/drawing/2014/main" id="{640A9322-A373-4B3D-BDBB-ECBABEE6C2AC}"/>
+              </a:ext>
+            </a:extLst>
+          </p:cNvPr>
+          <p:cNvSpPr txBox="1"/>
+          <p:nvPr/>
+        </p:nvSpPr>
+        <p:spPr>
+          <a:xfrm>
+            <a:off x="9184072" y="3815310"/>
+            <a:ext cx="1245979" cy="738664"/>
+          </a:xfrm>
+          <a:prstGeom prst="rect">
+            <a:avLst/>
+          </a:prstGeom>
+          <a:noFill/>
+        </p:spPr>
+        <p:txBody>
+          <a:bodyPr wrap="square" rtlCol="0">
+            <a:spAutoFit/>
+          </a:bodyPr>
+          <a:lstStyle/>
+          <a:p>
+            <a:pPr algn="ctr"/>
+            <a:r>
+              <a:rPr lang="pt-BR" altLang="ko-KR" sz="1400" dirty="0">
+                <a:latin typeface="Arial" panose="020B0604020202020204" pitchFamily="34" charset="0"/>
+                <a:cs typeface="Arial" panose="020B0604020202020204" pitchFamily="34" charset="0"/>
+              </a:rPr>
+              <a:t>Only the data reported first is kept</a:t>
+            </a:r>
+            <a:endParaRPr lang="ko-KR" altLang="en-US" sz="1400" dirty="0">
               <a:latin typeface="Arial" panose="020B0604020202020204" pitchFamily="34" charset="0"/>
               <a:cs typeface="Arial" panose="020B0604020202020204" pitchFamily="34" charset="0"/>
             </a:endParaRPr>
@@ -4744,4 +5346,299 @@
     </a:ext>
   </a:extLst>
 </a:theme>
+</file>
+
+<file path=ppt/theme/theme2.xml><?xml version="1.0" encoding="utf-8"?>
+<a:theme xmlns:a="http://schemas.openxmlformats.org/drawingml/2006/main" name="Office 테마">
+  <a:themeElements>
+    <a:clrScheme name="Office">
+      <a:dk1>
+        <a:sysClr val="windowText" lastClr="000000"/>
+      </a:dk1>
+      <a:lt1>
+        <a:sysClr val="window" lastClr="FFFFFF"/>
+      </a:lt1>
+      <a:dk2>
+        <a:srgbClr val="44546A"/>
+      </a:dk2>
+      <a:lt2>
+        <a:srgbClr val="E7E6E6"/>
+      </a:lt2>
+      <a:accent1>
+        <a:srgbClr val="4472C4"/>
+      </a:accent1>
+      <a:accent2>
+        <a:srgbClr val="ED7D31"/>
+      </a:accent2>
+      <a:accent3>
+        <a:srgbClr val="A5A5A5"/>
+      </a:accent3>
+      <a:accent4>
+        <a:srgbClr val="FFC000"/>
+      </a:accent4>
+      <a:accent5>
+        <a:srgbClr val="5B9BD5"/>
+      </a:accent5>
+      <a:accent6>
+        <a:srgbClr val="70AD47"/>
+      </a:accent6>
+      <a:hlink>
+        <a:srgbClr val="0563C1"/>
+      </a:hlink>
+      <a:folHlink>
+        <a:srgbClr val="954F72"/>
+      </a:folHlink>
+    </a:clrScheme>
+    <a:fontScheme name="Office">
+      <a:majorFont>
+        <a:latin typeface="맑은 고딕" panose="020F0302020204030204"/>
+        <a:ea typeface=""/>
+        <a:cs typeface=""/>
+        <a:font script="Jpan" typeface="游ゴシック Light"/>
+        <a:font script="Hang" typeface="맑은 고딕"/>
+        <a:font script="Hans" typeface="等线 Light"/>
+        <a:font script="Hant" typeface="新細明體"/>
+        <a:font script="Arab" typeface="Times New Roman"/>
+        <a:font script="Hebr" typeface="Times New Roman"/>
+        <a:font script="Thai" typeface="Angsana New"/>
+        <a:font script="Ethi" typeface="Nyala"/>
+        <a:font script="Beng" typeface="Vrinda"/>
+        <a:font script="Gujr" typeface="Shruti"/>
+        <a:font script="Khmr" typeface="MoolBoran"/>
+        <a:font script="Knda" typeface="Tunga"/>
+        <a:font script="Guru" typeface="Raavi"/>
+        <a:font script="Cans" typeface="Euphemia"/>
+        <a:font script="Cher" typeface="Plantagenet Cherokee"/>
+        <a:font script="Yiii" typeface="Microsoft Yi Baiti"/>
+        <a:font script="Tibt" typeface="Microsoft Himalaya"/>
+        <a:font script="Thaa" typeface="MV Boli"/>
+        <a:font script="Deva" typeface="Mangal"/>
+        <a:font script="Telu" typeface="Gautami"/>
+        <a:font script="Taml" typeface="Latha"/>
+        <a:font script="Syrc" typeface="Estrangelo Edessa"/>
+        <a:font script="Orya" typeface="Kalinga"/>
+        <a:font script="Mlym" typeface="Kartika"/>
+        <a:font script="Laoo" typeface="DokChampa"/>
+        <a:font script="Sinh" typeface="Iskoola Pota"/>
+        <a:font script="Mong" typeface="Mongolian Baiti"/>
+        <a:font script="Viet" typeface="Times New Roman"/>
+        <a:font script="Uigh" typeface="Microsoft Uighur"/>
+        <a:font script="Geor" typeface="Sylfaen"/>
+        <a:font script="Armn" typeface="Arial"/>
+        <a:font script="Bugi" typeface="Leelawadee UI"/>
+        <a:font script="Bopo" typeface="Microsoft JhengHei"/>
+        <a:font script="Java" typeface="Javanese Text"/>
+        <a:font script="Lisu" typeface="Segoe UI"/>
+        <a:font script="Mymr" typeface="Myanmar Text"/>
+        <a:font script="Nkoo" typeface="Ebrima"/>
+        <a:font script="Olck" typeface="Nirmala UI"/>
+        <a:font script="Osma" typeface="Ebrima"/>
+        <a:font script="Phag" typeface="Phagspa"/>
+        <a:font script="Syrn" typeface="Estrangelo Edessa"/>
+        <a:font script="Syrj" typeface="Estrangelo Edessa"/>
+        <a:font script="Syre" typeface="Estrangelo Edessa"/>
+        <a:font script="Sora" typeface="Nirmala UI"/>
+        <a:font script="Tale" typeface="Microsoft Tai Le"/>
+        <a:font script="Talu" typeface="Microsoft New Tai Lue"/>
+        <a:font script="Tfng" typeface="Ebrima"/>
+      </a:majorFont>
+      <a:minorFont>
+        <a:latin typeface="맑은 고딕" panose="020F0502020204030204"/>
+        <a:ea typeface=""/>
+        <a:cs typeface=""/>
+        <a:font script="Jpan" typeface="游ゴシック"/>
+        <a:font script="Hang" typeface="맑은 고딕"/>
+        <a:font script="Hans" typeface="等线"/>
+        <a:font script="Hant" typeface="新細明體"/>
+        <a:font script="Arab" typeface="Arial"/>
+        <a:font script="Hebr" typeface="Arial"/>
+        <a:font script="Thai" typeface="Cordia New"/>
+        <a:font script="Ethi" typeface="Nyala"/>
+        <a:font script="Beng" typeface="Vrinda"/>
+        <a:font script="Gujr" typeface="Shruti"/>
+        <a:font script="Khmr" typeface="DaunPenh"/>
+        <a:font script="Knda" typeface="Tunga"/>
+        <a:font script="Guru" typeface="Raavi"/>
+        <a:font script="Cans" typeface="Euphemia"/>
+        <a:font script="Cher" typeface="Plantagenet Cherokee"/>
+        <a:font script="Yiii" typeface="Microsoft Yi Baiti"/>
+        <a:font script="Tibt" typeface="Microsoft Himalaya"/>
+        <a:font script="Thaa" typeface="MV Boli"/>
+        <a:font script="Deva" typeface="Mangal"/>
+        <a:font script="Telu" typeface="Gautami"/>
+        <a:font script="Taml" typeface="Latha"/>
+        <a:font script="Syrc" typeface="Estrangelo Edessa"/>
+        <a:font script="Orya" typeface="Kalinga"/>
+        <a:font script="Mlym" typeface="Kartika"/>
+        <a:font script="Laoo" typeface="DokChampa"/>
+        <a:font script="Sinh" typeface="Iskoola Pota"/>
+        <a:font script="Mong" typeface="Mongolian Baiti"/>
+        <a:font script="Viet" typeface="Arial"/>
+        <a:font script="Uigh" typeface="Microsoft Uighur"/>
+        <a:font script="Geor" typeface="Sylfaen"/>
+        <a:font script="Armn" typeface="Arial"/>
+        <a:font script="Bugi" typeface="Leelawadee UI"/>
+        <a:font script="Bopo" typeface="Microsoft JhengHei"/>
+        <a:font script="Java" typeface="Javanese Text"/>
+        <a:font script="Lisu" typeface="Segoe UI"/>
+        <a:font script="Mymr" typeface="Myanmar Text"/>
+        <a:font script="Nkoo" typeface="Ebrima"/>
+        <a:font script="Olck" typeface="Nirmala UI"/>
+        <a:font script="Osma" typeface="Ebrima"/>
+        <a:font script="Phag" typeface="Phagspa"/>
+        <a:font script="Syrn" typeface="Estrangelo Edessa"/>
+        <a:font script="Syrj" typeface="Estrangelo Edessa"/>
+        <a:font script="Syre" typeface="Estrangelo Edessa"/>
+        <a:font script="Sora" typeface="Nirmala UI"/>
+        <a:font script="Tale" typeface="Microsoft Tai Le"/>
+        <a:font script="Talu" typeface="Microsoft New Tai Lue"/>
+        <a:font script="Tfng" typeface="Ebrima"/>
+      </a:minorFont>
+    </a:fontScheme>
+    <a:fmtScheme name="Office">
+      <a:fillStyleLst>
+        <a:solidFill>
+          <a:schemeClr val="phClr"/>
+        </a:solidFill>
+        <a:gradFill rotWithShape="1">
+          <a:gsLst>
+            <a:gs pos="0">
+              <a:schemeClr val="phClr">
+                <a:lumMod val="110000"/>
+                <a:satMod val="105000"/>
+                <a:tint val="67000"/>
+              </a:schemeClr>
+            </a:gs>
+            <a:gs pos="50000">
+              <a:schemeClr val="phClr">
+                <a:lumMod val="105000"/>
+                <a:satMod val="103000"/>
+                <a:tint val="73000"/>
+              </a:schemeClr>
+            </a:gs>
+            <a:gs pos="100000">
+              <a:schemeClr val="phClr">
+                <a:lumMod val="105000"/>
+                <a:satMod val="109000"/>
+                <a:tint val="81000"/>
+              </a:schemeClr>
+            </a:gs>
+          </a:gsLst>
+          <a:lin ang="5400000" scaled="0"/>
+        </a:gradFill>
+        <a:gradFill rotWithShape="1">
+          <a:gsLst>
+            <a:gs pos="0">
+              <a:schemeClr val="phClr">
+                <a:satMod val="103000"/>
+                <a:lumMod val="102000"/>
+                <a:tint val="94000"/>
+              </a:schemeClr>
+            </a:gs>
+            <a:gs pos="50000">
+              <a:schemeClr val="phClr">
+                <a:satMod val="110000"/>
+                <a:lumMod val="100000"/>
+                <a:shade val="100000"/>
+              </a:schemeClr>
+            </a:gs>
+            <a:gs pos="100000">
+              <a:schemeClr val="phClr">
+                <a:lumMod val="99000"/>
+                <a:satMod val="120000"/>
+                <a:shade val="78000"/>
+              </a:schemeClr>
+            </a:gs>
+          </a:gsLst>
+          <a:lin ang="5400000" scaled="0"/>
+        </a:gradFill>
+      </a:fillStyleLst>
+      <a:lnStyleLst>
+        <a:ln w="6350" cap="flat" cmpd="sng" algn="ctr">
+          <a:solidFill>
+            <a:schemeClr val="phClr"/>
+          </a:solidFill>
+          <a:prstDash val="solid"/>
+          <a:miter lim="800000"/>
+        </a:ln>
+        <a:ln w="12700" cap="flat" cmpd="sng" algn="ctr">
+          <a:solidFill>
+            <a:schemeClr val="phClr"/>
+          </a:solidFill>
+          <a:prstDash val="solid"/>
+          <a:miter lim="800000"/>
+        </a:ln>
+        <a:ln w="19050" cap="flat" cmpd="sng" algn="ctr">
+          <a:solidFill>
+            <a:schemeClr val="phClr"/>
+          </a:solidFill>
+          <a:prstDash val="solid"/>
+          <a:miter lim="800000"/>
+        </a:ln>
+      </a:lnStyleLst>
+      <a:effectStyleLst>
+        <a:effectStyle>
+          <a:effectLst/>
+        </a:effectStyle>
+        <a:effectStyle>
+          <a:effectLst/>
+        </a:effectStyle>
+        <a:effectStyle>
+          <a:effectLst>
+            <a:outerShdw blurRad="57150" dist="19050" dir="5400000" algn="ctr" rotWithShape="0">
+              <a:srgbClr val="000000">
+                <a:alpha val="63000"/>
+              </a:srgbClr>
+            </a:outerShdw>
+          </a:effectLst>
+        </a:effectStyle>
+      </a:effectStyleLst>
+      <a:bgFillStyleLst>
+        <a:solidFill>
+          <a:schemeClr val="phClr"/>
+        </a:solidFill>
+        <a:solidFill>
+          <a:schemeClr val="phClr">
+            <a:tint val="95000"/>
+            <a:satMod val="170000"/>
+          </a:schemeClr>
+        </a:solidFill>
+        <a:gradFill rotWithShape="1">
+          <a:gsLst>
+            <a:gs pos="0">
+              <a:schemeClr val="phClr">
+                <a:tint val="93000"/>
+                <a:satMod val="150000"/>
+                <a:shade val="98000"/>
+                <a:lumMod val="102000"/>
+              </a:schemeClr>
+            </a:gs>
+            <a:gs pos="50000">
+              <a:schemeClr val="phClr">
+                <a:tint val="98000"/>
+                <a:satMod val="130000"/>
+                <a:shade val="90000"/>
+                <a:lumMod val="103000"/>
+              </a:schemeClr>
+            </a:gs>
+            <a:gs pos="100000">
+              <a:schemeClr val="phClr">
+                <a:shade val="63000"/>
+                <a:satMod val="120000"/>
+              </a:schemeClr>
+            </a:gs>
+          </a:gsLst>
+          <a:lin ang="5400000" scaled="0"/>
+        </a:gradFill>
+      </a:bgFillStyleLst>
+    </a:fmtScheme>
+  </a:themeElements>
+  <a:objectDefaults/>
+  <a:extraClrSchemeLst/>
+  <a:extLst>
+    <a:ext uri="{05A4C25C-085E-4340-85A3-A5531E510DB2}">
+      <thm15:themeFamily xmlns:thm15="http://schemas.microsoft.com/office/thememl/2012/main" name="Office Theme" id="{62F939B6-93AF-4DB8-9C6B-D6C7DFDC589F}" vid="{4A3C46E8-61CC-4603-A589-7422A47A8E4A}"/>
+    </a:ext>
+  </a:extLst>
+</a:theme>
 </file>